--- a/exp/instruction/instruction.pptx
+++ b/exp/instruction/instruction.pptx
@@ -144,6 +144,11 @@
             <a:srgbClr val="A4A3A4"/>
           </p15:clr>
         </p15:guide>
+        <p15:guide id="2" orient="horz" pos="2216">
+          <p15:clr>
+            <a:srgbClr val="A4A3A4"/>
+          </p15:clr>
+        </p15:guide>
       </p15:sldGuideLst>
     </p:ext>
   </p:extLst>
@@ -232,7 +237,7 @@
           <a:p>
             <a:fld id="{2C496578-4F2C-4688-9243-EBFE8E25C03A}" type="datetimeFigureOut">
               <a:rPr lang="zh-CN" altLang="en-US" smtClean="0"/>
-              <a:t>2018/9/17</a:t>
+              <a:t>2018/10/5</a:t>
             </a:fld>
             <a:endParaRPr lang="zh-CN" altLang="en-US"/>
           </a:p>
@@ -897,7 +902,7 @@
           <a:p>
             <a:fld id="{E02BEBD4-C5DA-43A4-AF93-7C9EEB60B9E0}" type="datetimeFigureOut">
               <a:rPr lang="zh-CN" altLang="en-US" smtClean="0"/>
-              <a:t>2018/9/17</a:t>
+              <a:t>2018/10/5</a:t>
             </a:fld>
             <a:endParaRPr lang="zh-CN" altLang="en-US"/>
           </a:p>
@@ -1067,7 +1072,7 @@
           <a:p>
             <a:fld id="{E02BEBD4-C5DA-43A4-AF93-7C9EEB60B9E0}" type="datetimeFigureOut">
               <a:rPr lang="zh-CN" altLang="en-US" smtClean="0"/>
-              <a:t>2018/9/17</a:t>
+              <a:t>2018/10/5</a:t>
             </a:fld>
             <a:endParaRPr lang="zh-CN" altLang="en-US"/>
           </a:p>
@@ -1247,7 +1252,7 @@
           <a:p>
             <a:fld id="{E02BEBD4-C5DA-43A4-AF93-7C9EEB60B9E0}" type="datetimeFigureOut">
               <a:rPr lang="zh-CN" altLang="en-US" smtClean="0"/>
-              <a:t>2018/9/17</a:t>
+              <a:t>2018/10/5</a:t>
             </a:fld>
             <a:endParaRPr lang="zh-CN" altLang="en-US"/>
           </a:p>
@@ -1417,7 +1422,7 @@
           <a:p>
             <a:fld id="{E02BEBD4-C5DA-43A4-AF93-7C9EEB60B9E0}" type="datetimeFigureOut">
               <a:rPr lang="zh-CN" altLang="en-US" smtClean="0"/>
-              <a:t>2018/9/17</a:t>
+              <a:t>2018/10/5</a:t>
             </a:fld>
             <a:endParaRPr lang="zh-CN" altLang="en-US"/>
           </a:p>
@@ -1663,7 +1668,7 @@
           <a:p>
             <a:fld id="{E02BEBD4-C5DA-43A4-AF93-7C9EEB60B9E0}" type="datetimeFigureOut">
               <a:rPr lang="zh-CN" altLang="en-US" smtClean="0"/>
-              <a:t>2018/9/17</a:t>
+              <a:t>2018/10/5</a:t>
             </a:fld>
             <a:endParaRPr lang="zh-CN" altLang="en-US"/>
           </a:p>
@@ -1895,7 +1900,7 @@
           <a:p>
             <a:fld id="{E02BEBD4-C5DA-43A4-AF93-7C9EEB60B9E0}" type="datetimeFigureOut">
               <a:rPr lang="zh-CN" altLang="en-US" smtClean="0"/>
-              <a:t>2018/9/17</a:t>
+              <a:t>2018/10/5</a:t>
             </a:fld>
             <a:endParaRPr lang="zh-CN" altLang="en-US"/>
           </a:p>
@@ -2262,7 +2267,7 @@
           <a:p>
             <a:fld id="{E02BEBD4-C5DA-43A4-AF93-7C9EEB60B9E0}" type="datetimeFigureOut">
               <a:rPr lang="zh-CN" altLang="en-US" smtClean="0"/>
-              <a:t>2018/9/17</a:t>
+              <a:t>2018/10/5</a:t>
             </a:fld>
             <a:endParaRPr lang="zh-CN" altLang="en-US"/>
           </a:p>
@@ -2380,7 +2385,7 @@
           <a:p>
             <a:fld id="{E02BEBD4-C5DA-43A4-AF93-7C9EEB60B9E0}" type="datetimeFigureOut">
               <a:rPr lang="zh-CN" altLang="en-US" smtClean="0"/>
-              <a:t>2018/9/17</a:t>
+              <a:t>2018/10/5</a:t>
             </a:fld>
             <a:endParaRPr lang="zh-CN" altLang="en-US"/>
           </a:p>
@@ -2475,7 +2480,7 @@
           <a:p>
             <a:fld id="{E02BEBD4-C5DA-43A4-AF93-7C9EEB60B9E0}" type="datetimeFigureOut">
               <a:rPr lang="zh-CN" altLang="en-US" smtClean="0"/>
-              <a:t>2018/9/17</a:t>
+              <a:t>2018/10/5</a:t>
             </a:fld>
             <a:endParaRPr lang="zh-CN" altLang="en-US"/>
           </a:p>
@@ -2752,7 +2757,7 @@
           <a:p>
             <a:fld id="{E02BEBD4-C5DA-43A4-AF93-7C9EEB60B9E0}" type="datetimeFigureOut">
               <a:rPr lang="zh-CN" altLang="en-US" smtClean="0"/>
-              <a:t>2018/9/17</a:t>
+              <a:t>2018/10/5</a:t>
             </a:fld>
             <a:endParaRPr lang="zh-CN" altLang="en-US"/>
           </a:p>
@@ -3009,7 +3014,7 @@
           <a:p>
             <a:fld id="{E02BEBD4-C5DA-43A4-AF93-7C9EEB60B9E0}" type="datetimeFigureOut">
               <a:rPr lang="zh-CN" altLang="en-US" smtClean="0"/>
-              <a:t>2018/9/17</a:t>
+              <a:t>2018/10/5</a:t>
             </a:fld>
             <a:endParaRPr lang="zh-CN" altLang="en-US"/>
           </a:p>
@@ -3225,7 +3230,7 @@
           <a:p>
             <a:fld id="{E02BEBD4-C5DA-43A4-AF93-7C9EEB60B9E0}" type="datetimeFigureOut">
               <a:rPr lang="zh-CN" altLang="en-US" smtClean="0"/>
-              <a:t>2018/9/17</a:t>
+              <a:t>2018/10/5</a:t>
             </a:fld>
             <a:endParaRPr lang="zh-CN" altLang="en-US"/>
           </a:p>
@@ -4032,23 +4037,89 @@
           <a:chExt cx="0" cy="0"/>
         </a:xfrm>
       </p:grpSpPr>
-      <p:grpSp>
-        <p:nvGrpSpPr>
-          <p:cNvPr id="41" name="组合 35">
+      <p:sp>
+        <p:nvSpPr>
+          <p:cNvPr id="51" name="矩形 3">
             <a:extLst>
               <a:ext uri="{FF2B5EF4-FFF2-40B4-BE49-F238E27FC236}">
-                <a16:creationId xmlns:a16="http://schemas.microsoft.com/office/drawing/2014/main" id="{A653E1A0-44CD-4157-B912-D7DAE3207D5E}"/>
+                <a16:creationId xmlns:a16="http://schemas.microsoft.com/office/drawing/2014/main" id="{209CA7B2-DD05-464A-9AF6-F59B1EADCA06}"/>
               </a:ext>
             </a:extLst>
           </p:cNvPr>
+          <p:cNvSpPr/>
+          <p:nvPr/>
+        </p:nvSpPr>
+        <p:spPr>
+          <a:xfrm>
+            <a:off x="4148480" y="2235099"/>
+            <a:ext cx="2936474" cy="346339"/>
+          </a:xfrm>
+          <a:prstGeom prst="rect">
+            <a:avLst/>
+          </a:prstGeom>
+          <a:solidFill>
+            <a:schemeClr val="bg1">
+              <a:lumMod val="85000"/>
+            </a:schemeClr>
+          </a:solidFill>
+          <a:ln>
+            <a:noFill/>
+          </a:ln>
+        </p:spPr>
+        <p:style>
+          <a:lnRef idx="2">
+            <a:schemeClr val="accent1">
+              <a:shade val="50000"/>
+            </a:schemeClr>
+          </a:lnRef>
+          <a:fillRef idx="1">
+            <a:schemeClr val="accent1"/>
+          </a:fillRef>
+          <a:effectRef idx="0">
+            <a:schemeClr val="accent1"/>
+          </a:effectRef>
+          <a:fontRef idx="minor">
+            <a:schemeClr val="lt1"/>
+          </a:fontRef>
+        </p:style>
+        <p:txBody>
+          <a:bodyPr rtlCol="0" anchor="ctr"/>
+          <a:lstStyle/>
+          <a:p>
+            <a:pPr algn="ctr"/>
+            <a:r>
+              <a:rPr lang="zh-CN" altLang="en-US" dirty="0" smtClean="0">
+                <a:solidFill>
+                  <a:schemeClr val="tx1">
+                    <a:lumMod val="75000"/>
+                    <a:lumOff val="25000"/>
+                  </a:schemeClr>
+                </a:solidFill>
+              </a:rPr>
+              <a:t>重复若干次，每次数字不同</a:t>
+            </a:r>
+            <a:endParaRPr lang="zh-CN" altLang="en-US" dirty="0">
+              <a:solidFill>
+                <a:schemeClr val="tx1">
+                  <a:lumMod val="75000"/>
+                  <a:lumOff val="25000"/>
+                </a:schemeClr>
+              </a:solidFill>
+            </a:endParaRPr>
+          </a:p>
+        </p:txBody>
+      </p:sp>
+      <p:grpSp>
+        <p:nvGrpSpPr>
+          <p:cNvPr id="4" name="Group 3"/>
           <p:cNvGrpSpPr/>
           <p:nvPr/>
         </p:nvGrpSpPr>
         <p:grpSpPr>
           <a:xfrm>
-            <a:off x="5939051" y="1260789"/>
+            <a:off x="4088963" y="2571638"/>
             <a:ext cx="3035635" cy="1758694"/>
-            <a:chOff x="4440026" y="1181181"/>
+            <a:chOff x="5939051" y="1260789"/>
             <a:chExt cx="3035635" cy="1758694"/>
           </a:xfrm>
         </p:grpSpPr>
@@ -4066,7 +4137,7 @@
           </p:nvGrpSpPr>
           <p:grpSpPr>
             <a:xfrm>
-              <a:off x="4440026" y="1181181"/>
+              <a:off x="5939051" y="1260789"/>
               <a:ext cx="3035635" cy="1758694"/>
               <a:chOff x="6835081" y="1492668"/>
               <a:chExt cx="3046059" cy="1764734"/>
@@ -4191,7 +4262,7 @@
           </p:nvSpPr>
           <p:spPr>
             <a:xfrm>
-              <a:off x="5569514" y="1860173"/>
+              <a:off x="7068539" y="1624482"/>
               <a:ext cx="776654" cy="400708"/>
             </a:xfrm>
             <a:prstGeom prst="rect">
@@ -4243,6 +4314,136 @@
             </a:p>
           </p:txBody>
         </p:sp>
+        <p:sp>
+          <p:nvSpPr>
+            <p:cNvPr id="38" name="矩形 55">
+              <a:extLst>
+                <a:ext uri="{FF2B5EF4-FFF2-40B4-BE49-F238E27FC236}">
+                  <a16:creationId xmlns:a16="http://schemas.microsoft.com/office/drawing/2014/main" id="{D6BA67DC-AB9B-4835-8B4F-565DCD95B6A8}"/>
+                </a:ext>
+              </a:extLst>
+            </p:cNvPr>
+            <p:cNvSpPr/>
+            <p:nvPr/>
+          </p:nvSpPr>
+          <p:spPr>
+            <a:xfrm>
+              <a:off x="6819402" y="2241497"/>
+              <a:ext cx="1280250" cy="400708"/>
+            </a:xfrm>
+            <a:prstGeom prst="rect">
+              <a:avLst/>
+            </a:prstGeom>
+            <a:noFill/>
+            <a:ln>
+              <a:solidFill>
+                <a:schemeClr val="bg1">
+                  <a:lumMod val="65000"/>
+                </a:schemeClr>
+              </a:solidFill>
+            </a:ln>
+          </p:spPr>
+          <p:style>
+            <a:lnRef idx="2">
+              <a:schemeClr val="accent1">
+                <a:shade val="50000"/>
+              </a:schemeClr>
+            </a:lnRef>
+            <a:fillRef idx="1">
+              <a:schemeClr val="accent1"/>
+            </a:fillRef>
+            <a:effectRef idx="0">
+              <a:schemeClr val="accent1"/>
+            </a:effectRef>
+            <a:fontRef idx="minor">
+              <a:schemeClr val="lt1"/>
+            </a:fontRef>
+          </p:style>
+          <p:txBody>
+            <a:bodyPr rtlCol="0" anchor="ctr"/>
+            <a:lstStyle/>
+            <a:p>
+              <a:pPr marL="115888" algn="ctr" defTabSz="798513">
+                <a:tabLst>
+                  <a:tab pos="744538" algn="l"/>
+                </a:tabLst>
+              </a:pPr>
+              <a:r>
+                <a:rPr lang="en-US" altLang="zh-CN" dirty="0">
+                  <a:solidFill>
+                    <a:schemeClr val="tx1"/>
+                  </a:solidFill>
+                </a:rPr>
+                <a:t>-</a:t>
+              </a:r>
+              <a:r>
+                <a:rPr lang="en-US" altLang="zh-CN" dirty="0" smtClean="0">
+                  <a:solidFill>
+                    <a:schemeClr val="tx1"/>
+                  </a:solidFill>
+                </a:rPr>
+                <a:t>3	+12</a:t>
+              </a:r>
+              <a:endParaRPr lang="zh-CN" altLang="en-US" dirty="0">
+                <a:solidFill>
+                  <a:schemeClr val="tx1"/>
+                </a:solidFill>
+              </a:endParaRPr>
+            </a:p>
+          </p:txBody>
+        </p:sp>
+        <p:sp>
+          <p:nvSpPr>
+            <p:cNvPr id="31" name="椭圆 57">
+              <a:extLst>
+                <a:ext uri="{FF2B5EF4-FFF2-40B4-BE49-F238E27FC236}">
+                  <a16:creationId xmlns:a16="http://schemas.microsoft.com/office/drawing/2014/main" id="{373902A1-8B3B-46AB-B8DE-2D4D3E33B5AD}"/>
+                </a:ext>
+              </a:extLst>
+            </p:cNvPr>
+            <p:cNvSpPr/>
+            <p:nvPr/>
+          </p:nvSpPr>
+          <p:spPr>
+            <a:xfrm>
+              <a:off x="7436429" y="2120915"/>
+              <a:ext cx="45719" cy="45719"/>
+            </a:xfrm>
+            <a:prstGeom prst="ellipse">
+              <a:avLst/>
+            </a:prstGeom>
+            <a:solidFill>
+              <a:schemeClr val="tx1"/>
+            </a:solidFill>
+            <a:ln>
+              <a:noFill/>
+            </a:ln>
+          </p:spPr>
+          <p:style>
+            <a:lnRef idx="2">
+              <a:schemeClr val="accent1">
+                <a:shade val="50000"/>
+              </a:schemeClr>
+            </a:lnRef>
+            <a:fillRef idx="1">
+              <a:schemeClr val="accent1"/>
+            </a:fillRef>
+            <a:effectRef idx="0">
+              <a:schemeClr val="accent1"/>
+            </a:effectRef>
+            <a:fontRef idx="minor">
+              <a:schemeClr val="lt1"/>
+            </a:fontRef>
+          </p:style>
+          <p:txBody>
+            <a:bodyPr rtlCol="0" anchor="ctr"/>
+            <a:lstStyle/>
+            <a:p>
+              <a:pPr algn="ctr"/>
+              <a:endParaRPr lang="zh-CN" altLang="en-US"/>
+            </a:p>
+          </p:txBody>
+        </p:sp>
       </p:grpSp>
       <p:sp>
         <p:nvSpPr>
@@ -4258,8 +4459,8 @@
         </p:nvSpPr>
         <p:spPr>
           <a:xfrm rot="10800000" flipH="1" flipV="1">
-            <a:off x="1911479" y="750012"/>
-            <a:ext cx="4446406" cy="369332"/>
+            <a:off x="1911478" y="750012"/>
+            <a:ext cx="7606769" cy="369332"/>
           </a:xfrm>
           <a:prstGeom prst="rect">
             <a:avLst/>
@@ -4294,7 +4495,23 @@
                   <a:schemeClr val="bg1"/>
                 </a:solidFill>
               </a:rPr>
-              <a:t>将连续看到以下画面</a:t>
+              <a:t>将连续看到以</a:t>
+            </a:r>
+            <a:r>
+              <a:rPr lang="zh-CN" altLang="en-US" dirty="0" smtClean="0">
+                <a:solidFill>
+                  <a:schemeClr val="bg1"/>
+                </a:solidFill>
+              </a:rPr>
+              <a:t>下样式的画面</a:t>
+            </a:r>
+            <a:r>
+              <a:rPr lang="zh-CN" altLang="en-US" dirty="0" smtClean="0">
+                <a:solidFill>
+                  <a:schemeClr val="bg1"/>
+                </a:solidFill>
+              </a:rPr>
+              <a:t>，每次出现的数字不一样</a:t>
             </a:r>
             <a:endParaRPr lang="en-US" altLang="zh-CN" dirty="0">
               <a:solidFill>
@@ -4318,7 +4535,7 @@
         </p:nvSpPr>
         <p:spPr>
           <a:xfrm rot="10800000" flipH="1" flipV="1">
-            <a:off x="1911478" y="5311976"/>
+            <a:off x="1911478" y="5521000"/>
             <a:ext cx="9237167" cy="923330"/>
           </a:xfrm>
           <a:prstGeom prst="rect">
@@ -4398,23 +4615,7 @@
                   <a:schemeClr val="bg1"/>
                 </a:solidFill>
               </a:rPr>
-              <a:t>盯</a:t>
-            </a:r>
-            <a:r>
-              <a:rPr lang="zh-CN" altLang="en-US" u="sng" dirty="0" smtClean="0">
-                <a:solidFill>
-                  <a:schemeClr val="bg1"/>
-                </a:solidFill>
-              </a:rPr>
-              <a:t>住屏幕中央，</a:t>
-            </a:r>
-            <a:r>
-              <a:rPr lang="zh-CN" altLang="en-US" u="sng" dirty="0" smtClean="0">
-                <a:solidFill>
-                  <a:schemeClr val="bg1"/>
-                </a:solidFill>
-              </a:rPr>
-              <a:t>不要眨眼</a:t>
+              <a:t>盯住屏幕中央，不要眨眼</a:t>
             </a:r>
             <a:r>
               <a:rPr lang="zh-CN" altLang="en-US" dirty="0" smtClean="0">
@@ -4622,7 +4823,7 @@
         </p:nvGrpSpPr>
         <p:grpSpPr>
           <a:xfrm>
-            <a:off x="2595871" y="1260789"/>
+            <a:off x="739897" y="2571638"/>
             <a:ext cx="3035635" cy="1758694"/>
             <a:chOff x="1094421" y="1181181"/>
             <a:chExt cx="3035635" cy="1758694"/>
@@ -4820,9 +5021,9 @@
         </p:nvGrpSpPr>
         <p:grpSpPr>
           <a:xfrm>
-            <a:off x="2594008" y="3382928"/>
+            <a:off x="8736224" y="2571638"/>
             <a:ext cx="3035635" cy="1758694"/>
-            <a:chOff x="4462882" y="3266942"/>
+            <a:chOff x="4363266" y="3266172"/>
             <a:chExt cx="3035635" cy="1758694"/>
           </a:xfrm>
         </p:grpSpPr>
@@ -4840,9 +5041,9 @@
           </p:nvGrpSpPr>
           <p:grpSpPr>
             <a:xfrm>
-              <a:off x="4462882" y="3266942"/>
+              <a:off x="4363266" y="3266172"/>
               <a:ext cx="3035635" cy="1758694"/>
-              <a:chOff x="6835081" y="1492668"/>
+              <a:chOff x="6735123" y="1491895"/>
               <a:chExt cx="3046059" cy="1764734"/>
             </a:xfrm>
           </p:grpSpPr>
@@ -4860,7 +5061,7 @@
             </p:nvSpPr>
             <p:spPr>
               <a:xfrm>
-                <a:off x="6835081" y="1492668"/>
+                <a:off x="6735123" y="1491895"/>
                 <a:ext cx="3046059" cy="1764734"/>
               </a:xfrm>
               <a:prstGeom prst="rect">
@@ -4965,7 +5166,7 @@
           </p:nvSpPr>
           <p:spPr>
             <a:xfrm>
-              <a:off x="5957837" y="4125138"/>
+              <a:off x="5858221" y="4124368"/>
               <a:ext cx="45719" cy="45719"/>
             </a:xfrm>
             <a:prstGeom prst="ellipse">
@@ -5018,7 +5219,7 @@
         </p:nvSpPr>
         <p:spPr>
           <a:xfrm>
-            <a:off x="5537760" y="1785287"/>
+            <a:off x="3674767" y="3076335"/>
             <a:ext cx="560677" cy="749300"/>
           </a:xfrm>
           <a:prstGeom prst="rightArrow">
@@ -5060,242 +5261,80 @@
       </p:sp>
       <p:grpSp>
         <p:nvGrpSpPr>
-          <p:cNvPr id="33" name="Group 32"/>
+          <p:cNvPr id="9" name="Group 8"/>
           <p:cNvGrpSpPr/>
           <p:nvPr/>
         </p:nvGrpSpPr>
         <p:grpSpPr>
           <a:xfrm>
-            <a:off x="5941473" y="3382928"/>
-            <a:ext cx="3035635" cy="1758694"/>
-            <a:chOff x="7603619" y="2819672"/>
-            <a:chExt cx="2546478" cy="1475301"/>
+            <a:off x="6354026" y="3729245"/>
+            <a:ext cx="1248173" cy="1109609"/>
+            <a:chOff x="9096103" y="2971932"/>
+            <a:chExt cx="1701917" cy="1512981"/>
           </a:xfrm>
         </p:grpSpPr>
-        <p:grpSp>
-          <p:nvGrpSpPr>
-            <p:cNvPr id="34" name="Group 33"/>
-            <p:cNvGrpSpPr/>
-            <p:nvPr/>
-          </p:nvGrpSpPr>
-          <p:grpSpPr>
-            <a:xfrm>
-              <a:off x="7603619" y="2819672"/>
-              <a:ext cx="2546478" cy="1475301"/>
-              <a:chOff x="7603619" y="2819672"/>
-              <a:chExt cx="2546478" cy="1475301"/>
-            </a:xfrm>
-          </p:grpSpPr>
-          <p:grpSp>
-            <p:nvGrpSpPr>
-              <p:cNvPr id="36" name="组合 53">
-                <a:extLst>
-                  <a:ext uri="{FF2B5EF4-FFF2-40B4-BE49-F238E27FC236}">
-                    <a16:creationId xmlns:a16="http://schemas.microsoft.com/office/drawing/2014/main" id="{9699C951-39FE-45D3-8614-084A4FA4731E}"/>
-                  </a:ext>
-                </a:extLst>
-              </p:cNvPr>
-              <p:cNvGrpSpPr/>
-              <p:nvPr/>
-            </p:nvGrpSpPr>
-            <p:grpSpPr>
-              <a:xfrm>
-                <a:off x="7603619" y="2819672"/>
-                <a:ext cx="2546478" cy="1475301"/>
-                <a:chOff x="6835081" y="1492668"/>
-                <a:chExt cx="3046059" cy="1764734"/>
-              </a:xfrm>
-            </p:grpSpPr>
-            <p:sp>
-              <p:nvSpPr>
-                <p:cNvPr id="39" name="矩形 59">
-                  <a:extLst>
-                    <a:ext uri="{FF2B5EF4-FFF2-40B4-BE49-F238E27FC236}">
-                      <a16:creationId xmlns:a16="http://schemas.microsoft.com/office/drawing/2014/main" id="{1E773737-473F-4860-BC67-4EE0B0BFBA3F}"/>
-                    </a:ext>
-                  </a:extLst>
-                </p:cNvPr>
-                <p:cNvSpPr/>
-                <p:nvPr/>
-              </p:nvSpPr>
-              <p:spPr>
-                <a:xfrm>
-                  <a:off x="6835081" y="1492668"/>
-                  <a:ext cx="3046059" cy="1764734"/>
-                </a:xfrm>
-                <a:prstGeom prst="rect">
-                  <a:avLst/>
-                </a:prstGeom>
-                <a:solidFill>
-                  <a:srgbClr val="777777"/>
-                </a:solidFill>
-                <a:ln>
-                  <a:solidFill>
-                    <a:schemeClr val="tx1">
-                      <a:lumMod val="65000"/>
-                      <a:lumOff val="35000"/>
-                    </a:schemeClr>
-                  </a:solidFill>
-                </a:ln>
-                <a:effectLst>
-                  <a:outerShdw blurRad="50800" dist="38100" dir="2700000" algn="tl" rotWithShape="0">
-                    <a:prstClr val="black">
-                      <a:alpha val="40000"/>
-                    </a:prstClr>
-                  </a:outerShdw>
-                </a:effectLst>
-              </p:spPr>
-              <p:style>
-                <a:lnRef idx="2">
-                  <a:schemeClr val="accent1">
-                    <a:shade val="50000"/>
-                  </a:schemeClr>
-                </a:lnRef>
-                <a:fillRef idx="1">
-                  <a:schemeClr val="accent1"/>
-                </a:fillRef>
-                <a:effectRef idx="0">
-                  <a:schemeClr val="accent1"/>
-                </a:effectRef>
-                <a:fontRef idx="minor">
-                  <a:schemeClr val="lt1"/>
-                </a:fontRef>
-              </p:style>
-              <p:txBody>
-                <a:bodyPr rtlCol="0" anchor="ctr"/>
-                <a:lstStyle/>
-                <a:p>
-                  <a:pPr algn="ctr"/>
-                  <a:endParaRPr lang="zh-CN" altLang="en-US" sz="3200" dirty="0">
-                    <a:solidFill>
-                      <a:schemeClr val="bg1"/>
-                    </a:solidFill>
-                  </a:endParaRPr>
-                </a:p>
-              </p:txBody>
-            </p:sp>
-            <p:sp>
-              <p:nvSpPr>
-                <p:cNvPr id="40" name="文本框 60">
-                  <a:extLst>
-                    <a:ext uri="{FF2B5EF4-FFF2-40B4-BE49-F238E27FC236}">
-                      <a16:creationId xmlns:a16="http://schemas.microsoft.com/office/drawing/2014/main" id="{945D4D64-9457-4117-A9BB-F997E8CAEF89}"/>
-                    </a:ext>
-                  </a:extLst>
-                </p:cNvPr>
-                <p:cNvSpPr txBox="1"/>
-                <p:nvPr/>
-              </p:nvSpPr>
-              <p:spPr>
-                <a:xfrm>
-                  <a:off x="8200855" y="2182872"/>
-                  <a:ext cx="314507" cy="525017"/>
-                </a:xfrm>
-                <a:prstGeom prst="rect">
-                  <a:avLst/>
-                </a:prstGeom>
-                <a:noFill/>
-              </p:spPr>
-              <p:txBody>
-                <a:bodyPr wrap="square" rtlCol="0">
-                  <a:spAutoFit/>
-                </a:bodyPr>
-                <a:lstStyle/>
-                <a:p>
-                  <a:endParaRPr lang="zh-CN" altLang="en-US" sz="2800" dirty="0">
-                    <a:solidFill>
-                      <a:schemeClr val="bg1"/>
-                    </a:solidFill>
-                  </a:endParaRPr>
-                </a:p>
-              </p:txBody>
-            </p:sp>
-          </p:grpSp>
-          <p:sp>
-            <p:nvSpPr>
-              <p:cNvPr id="38" name="矩形 55">
-                <a:extLst>
-                  <a:ext uri="{FF2B5EF4-FFF2-40B4-BE49-F238E27FC236}">
-                    <a16:creationId xmlns:a16="http://schemas.microsoft.com/office/drawing/2014/main" id="{D6BA67DC-AB9B-4835-8B4F-565DCD95B6A8}"/>
-                  </a:ext>
-                </a:extLst>
-              </p:cNvPr>
-              <p:cNvSpPr/>
-              <p:nvPr/>
-            </p:nvSpPr>
-            <p:spPr>
-              <a:xfrm>
-                <a:off x="8225351" y="3389252"/>
-                <a:ext cx="1368356" cy="336139"/>
-              </a:xfrm>
-              <a:prstGeom prst="rect">
-                <a:avLst/>
-              </a:prstGeom>
-              <a:noFill/>
-              <a:ln>
-                <a:solidFill>
-                  <a:schemeClr val="bg1">
-                    <a:lumMod val="65000"/>
-                  </a:schemeClr>
-                </a:solidFill>
-              </a:ln>
-            </p:spPr>
-            <p:style>
-              <a:lnRef idx="2">
-                <a:schemeClr val="accent1">
-                  <a:shade val="50000"/>
-                </a:schemeClr>
-              </a:lnRef>
-              <a:fillRef idx="1">
-                <a:schemeClr val="accent1"/>
-              </a:fillRef>
-              <a:effectRef idx="0">
-                <a:schemeClr val="accent1"/>
-              </a:effectRef>
-              <a:fontRef idx="minor">
-                <a:schemeClr val="lt1"/>
-              </a:fontRef>
-            </p:style>
-            <p:txBody>
-              <a:bodyPr rtlCol="0" anchor="ctr"/>
-              <a:lstStyle/>
-              <a:p>
-                <a:pPr marL="115888" algn="ctr" defTabSz="798513">
-                  <a:tabLst>
-                    <a:tab pos="744538" algn="l"/>
-                  </a:tabLst>
-                </a:pPr>
-                <a:r>
-                  <a:rPr lang="en-US" altLang="zh-CN" dirty="0">
-                    <a:solidFill>
-                      <a:schemeClr val="tx1"/>
-                    </a:solidFill>
-                  </a:rPr>
-                  <a:t>-</a:t>
-                </a:r>
-                <a:r>
-                  <a:rPr lang="en-US" altLang="zh-CN" dirty="0" smtClean="0">
-                    <a:solidFill>
-                      <a:schemeClr val="tx1"/>
-                    </a:solidFill>
-                  </a:rPr>
-                  <a:t>3	+12</a:t>
-                </a:r>
-                <a:endParaRPr lang="zh-CN" altLang="en-US" dirty="0">
-                  <a:solidFill>
-                    <a:schemeClr val="tx1"/>
-                  </a:solidFill>
-                </a:endParaRPr>
-              </a:p>
-            </p:txBody>
-          </p:sp>
-        </p:grpSp>
         <p:sp>
           <p:nvSpPr>
-            <p:cNvPr id="35" name="椭圆 57">
+            <p:cNvPr id="8" name="Block Arc 7"/>
+            <p:cNvSpPr/>
+            <p:nvPr/>
+          </p:nvSpPr>
+          <p:spPr>
+            <a:xfrm>
+              <a:off x="9285039" y="2971932"/>
+              <a:ext cx="1512981" cy="1512981"/>
+            </a:xfrm>
+            <a:prstGeom prst="blockArc">
+              <a:avLst>
+                <a:gd name="adj1" fmla="val 16111593"/>
+                <a:gd name="adj2" fmla="val 10799995"/>
+                <a:gd name="adj3" fmla="val 27701"/>
+              </a:avLst>
+            </a:prstGeom>
+            <a:solidFill>
+              <a:schemeClr val="bg1">
+                <a:lumMod val="75000"/>
+              </a:schemeClr>
+            </a:solidFill>
+            <a:ln>
+              <a:noFill/>
+            </a:ln>
+          </p:spPr>
+          <p:style>
+            <a:lnRef idx="2">
+              <a:schemeClr val="accent1">
+                <a:shade val="50000"/>
+              </a:schemeClr>
+            </a:lnRef>
+            <a:fillRef idx="1">
+              <a:schemeClr val="accent1"/>
+            </a:fillRef>
+            <a:effectRef idx="0">
+              <a:schemeClr val="accent1"/>
+            </a:effectRef>
+            <a:fontRef idx="minor">
+              <a:schemeClr val="lt1"/>
+            </a:fontRef>
+          </p:style>
+          <p:txBody>
+            <a:bodyPr rtlCol="0" anchor="ctr"/>
+            <a:lstStyle/>
+            <a:p>
+              <a:pPr algn="ctr"/>
+              <a:endParaRPr lang="zh-CN" altLang="en-US">
+                <a:solidFill>
+                  <a:schemeClr val="tx1"/>
+                </a:solidFill>
+              </a:endParaRPr>
+            </a:p>
+          </p:txBody>
+        </p:sp>
+        <p:sp>
+          <p:nvSpPr>
+            <p:cNvPr id="47" name="箭头: 右 97">
               <a:extLst>
                 <a:ext uri="{FF2B5EF4-FFF2-40B4-BE49-F238E27FC236}">
-                  <a16:creationId xmlns:a16="http://schemas.microsoft.com/office/drawing/2014/main" id="{373902A1-8B3B-46AB-B8DE-2D4D3E33B5AD}"/>
+                  <a16:creationId xmlns:a16="http://schemas.microsoft.com/office/drawing/2014/main" id="{7C99D34E-576B-468B-9600-DC0EA71C989B}"/>
                 </a:ext>
               </a:extLst>
             </p:cNvPr>
@@ -5303,15 +5342,20 @@
             <p:nvPr/>
           </p:nvSpPr>
           <p:spPr>
-            <a:xfrm>
-              <a:off x="8857680" y="3539580"/>
-              <a:ext cx="38352" cy="38352"/>
+            <a:xfrm rot="16200000">
+              <a:off x="9306138" y="3260683"/>
+              <a:ext cx="422959" cy="843029"/>
             </a:xfrm>
-            <a:prstGeom prst="ellipse">
-              <a:avLst/>
+            <a:prstGeom prst="rightArrow">
+              <a:avLst>
+                <a:gd name="adj1" fmla="val 50000"/>
+                <a:gd name="adj2" fmla="val 68800"/>
+              </a:avLst>
             </a:prstGeom>
             <a:solidFill>
-              <a:schemeClr val="tx1"/>
+              <a:schemeClr val="bg1">
+                <a:lumMod val="75000"/>
+              </a:schemeClr>
             </a:solidFill>
             <a:ln>
               <a:noFill/>
@@ -5343,118 +5387,105 @@
           </p:txBody>
         </p:sp>
       </p:grpSp>
-      <p:sp>
-        <p:nvSpPr>
-          <p:cNvPr id="104" name="箭头: 右 103">
-            <a:extLst>
-              <a:ext uri="{FF2B5EF4-FFF2-40B4-BE49-F238E27FC236}">
-                <a16:creationId xmlns:a16="http://schemas.microsoft.com/office/drawing/2014/main" id="{91D3AB40-862A-4114-95F4-E17B51F269A8}"/>
-              </a:ext>
-            </a:extLst>
-          </p:cNvPr>
-          <p:cNvSpPr/>
+      <p:grpSp>
+        <p:nvGrpSpPr>
+          <p:cNvPr id="11" name="Group 10"/>
+          <p:cNvGrpSpPr/>
           <p:nvPr/>
-        </p:nvSpPr>
-        <p:spPr>
-          <a:xfrm rot="10800000">
-            <a:off x="5490631" y="3866474"/>
-            <a:ext cx="560677" cy="749300"/>
+        </p:nvGrpSpPr>
+        <p:grpSpPr>
+          <a:xfrm>
+            <a:off x="7209724" y="3076335"/>
+            <a:ext cx="1577383" cy="749300"/>
+            <a:chOff x="7258453" y="3039835"/>
+            <a:chExt cx="1577383" cy="749300"/>
           </a:xfrm>
-          <a:prstGeom prst="rightArrow">
-            <a:avLst/>
-          </a:prstGeom>
-          <a:solidFill>
-            <a:schemeClr val="bg1">
-              <a:lumMod val="75000"/>
-            </a:schemeClr>
-          </a:solidFill>
-          <a:ln>
+        </p:grpSpPr>
+        <p:sp>
+          <p:nvSpPr>
+            <p:cNvPr id="104" name="箭头: 右 103">
+              <a:extLst>
+                <a:ext uri="{FF2B5EF4-FFF2-40B4-BE49-F238E27FC236}">
+                  <a16:creationId xmlns:a16="http://schemas.microsoft.com/office/drawing/2014/main" id="{91D3AB40-862A-4114-95F4-E17B51F269A8}"/>
+                </a:ext>
+              </a:extLst>
+            </p:cNvPr>
+            <p:cNvSpPr/>
+            <p:nvPr/>
+          </p:nvSpPr>
+          <p:spPr>
+            <a:xfrm>
+              <a:off x="7321860" y="3039835"/>
+              <a:ext cx="1513976" cy="749300"/>
+            </a:xfrm>
+            <a:prstGeom prst="rightArrow">
+              <a:avLst/>
+            </a:prstGeom>
+            <a:solidFill>
+              <a:schemeClr val="bg1">
+                <a:lumMod val="75000"/>
+              </a:schemeClr>
+            </a:solidFill>
+            <a:ln>
+              <a:noFill/>
+            </a:ln>
+          </p:spPr>
+          <p:style>
+            <a:lnRef idx="2">
+              <a:schemeClr val="accent1">
+                <a:shade val="50000"/>
+              </a:schemeClr>
+            </a:lnRef>
+            <a:fillRef idx="1">
+              <a:schemeClr val="accent1"/>
+            </a:fillRef>
+            <a:effectRef idx="0">
+              <a:schemeClr val="accent1"/>
+            </a:effectRef>
+            <a:fontRef idx="minor">
+              <a:schemeClr val="lt1"/>
+            </a:fontRef>
+          </p:style>
+          <p:txBody>
+            <a:bodyPr rtlCol="0" anchor="ctr"/>
+            <a:lstStyle/>
+            <a:p>
+              <a:pPr algn="ctr"/>
+              <a:endParaRPr lang="zh-CN" altLang="en-US" dirty="0"/>
+            </a:p>
+          </p:txBody>
+        </p:sp>
+        <p:sp>
+          <p:nvSpPr>
+            <p:cNvPr id="10" name="TextBox 9"/>
+            <p:cNvSpPr txBox="1"/>
+            <p:nvPr/>
+          </p:nvSpPr>
+          <p:spPr>
+            <a:xfrm>
+              <a:off x="7258453" y="3245208"/>
+              <a:ext cx="1456560" cy="338554"/>
+            </a:xfrm>
+            <a:prstGeom prst="rect">
+              <a:avLst/>
+            </a:prstGeom>
             <a:noFill/>
-          </a:ln>
-        </p:spPr>
-        <p:style>
-          <a:lnRef idx="2">
-            <a:schemeClr val="accent1">
-              <a:shade val="50000"/>
-            </a:schemeClr>
-          </a:lnRef>
-          <a:fillRef idx="1">
-            <a:schemeClr val="accent1"/>
-          </a:fillRef>
-          <a:effectRef idx="0">
-            <a:schemeClr val="accent1"/>
-          </a:effectRef>
-          <a:fontRef idx="minor">
-            <a:schemeClr val="lt1"/>
-          </a:fontRef>
-        </p:style>
-        <p:txBody>
-          <a:bodyPr rtlCol="0" anchor="ctr"/>
-          <a:lstStyle/>
-          <a:p>
-            <a:pPr algn="ctr"/>
-            <a:endParaRPr lang="zh-CN" altLang="en-US" dirty="0"/>
-          </a:p>
-        </p:txBody>
-      </p:sp>
-      <p:sp>
-        <p:nvSpPr>
-          <p:cNvPr id="3" name="U-Turn Arrow 2"/>
-          <p:cNvSpPr/>
-          <p:nvPr/>
-        </p:nvSpPr>
-        <p:spPr>
-          <a:xfrm rot="5400000">
-            <a:off x="8305869" y="2644164"/>
-            <a:ext cx="2575676" cy="1366394"/>
-          </a:xfrm>
-          <a:prstGeom prst="uturnArrow">
-            <a:avLst>
-              <a:gd name="adj1" fmla="val 24356"/>
-              <a:gd name="adj2" fmla="val 25000"/>
-              <a:gd name="adj3" fmla="val 25000"/>
-              <a:gd name="adj4" fmla="val 43750"/>
-              <a:gd name="adj5" fmla="val 100000"/>
-            </a:avLst>
-          </a:prstGeom>
-          <a:solidFill>
-            <a:schemeClr val="bg1">
-              <a:lumMod val="75000"/>
-            </a:schemeClr>
-          </a:solidFill>
-          <a:ln>
-            <a:noFill/>
-          </a:ln>
-        </p:spPr>
-        <p:style>
-          <a:lnRef idx="2">
-            <a:schemeClr val="accent1">
-              <a:shade val="50000"/>
-            </a:schemeClr>
-          </a:lnRef>
-          <a:fillRef idx="1">
-            <a:schemeClr val="accent1"/>
-          </a:fillRef>
-          <a:effectRef idx="0">
-            <a:schemeClr val="accent1"/>
-          </a:effectRef>
-          <a:fontRef idx="minor">
-            <a:schemeClr val="lt1"/>
-          </a:fontRef>
-        </p:style>
-        <p:txBody>
-          <a:bodyPr rtlCol="0" anchor="ctr"/>
-          <a:lstStyle/>
-          <a:p>
-            <a:pPr algn="ctr"/>
-            <a:endParaRPr lang="zh-CN" altLang="en-US">
-              <a:solidFill>
-                <a:schemeClr val="tx1"/>
-              </a:solidFill>
-            </a:endParaRPr>
-          </a:p>
-        </p:txBody>
-      </p:sp>
+          </p:spPr>
+          <p:txBody>
+            <a:bodyPr wrap="square" rtlCol="0">
+              <a:spAutoFit/>
+            </a:bodyPr>
+            <a:lstStyle/>
+            <a:p>
+              <a:r>
+                <a:rPr lang="zh-CN" altLang="en-US" sz="1600" dirty="0" smtClean="0"/>
+                <a:t>重复若干次后</a:t>
+              </a:r>
+              <a:endParaRPr lang="zh-CN" altLang="en-US" sz="1600" dirty="0"/>
+            </a:p>
+          </p:txBody>
+        </p:sp>
+      </p:grpSp>
     </p:spTree>
     <p:extLst>
       <p:ext uri="{BB962C8B-B14F-4D97-AF65-F5344CB8AC3E}">
@@ -5506,8 +5537,8 @@
         </p:nvSpPr>
         <p:spPr>
           <a:xfrm rot="10800000" flipH="1" flipV="1">
-            <a:off x="1775874" y="789656"/>
-            <a:ext cx="4097876" cy="369332"/>
+            <a:off x="1775873" y="789656"/>
+            <a:ext cx="8252709" cy="369332"/>
           </a:xfrm>
           <a:prstGeom prst="rect">
             <a:avLst/>
@@ -5521,12 +5552,44 @@
           <a:lstStyle/>
           <a:p>
             <a:r>
+              <a:rPr lang="zh-CN" altLang="en-US" dirty="0" smtClean="0">
+                <a:solidFill>
+                  <a:schemeClr val="bg1"/>
+                </a:solidFill>
+              </a:rPr>
+              <a:t>每次出现下图你都要考虑：选择上面的还是下</a:t>
+            </a:r>
+            <a:r>
               <a:rPr lang="zh-CN" altLang="en-US" dirty="0">
                 <a:solidFill>
                   <a:schemeClr val="bg1"/>
                 </a:solidFill>
               </a:rPr>
-              <a:t>每个画面的意义如下</a:t>
+              <a:t>面</a:t>
+            </a:r>
+            <a:r>
+              <a:rPr lang="zh-CN" altLang="en-US" dirty="0" smtClean="0">
+                <a:solidFill>
+                  <a:schemeClr val="bg1"/>
+                </a:solidFill>
+              </a:rPr>
+              <a:t>的。画</a:t>
+            </a:r>
+            <a:r>
+              <a:rPr lang="zh-CN" altLang="en-US" dirty="0">
+                <a:solidFill>
+                  <a:schemeClr val="bg1"/>
+                </a:solidFill>
+              </a:rPr>
+              <a:t>面的意义如</a:t>
+            </a:r>
+            <a:r>
+              <a:rPr lang="zh-CN" altLang="en-US" dirty="0" smtClean="0">
+                <a:solidFill>
+                  <a:schemeClr val="bg1"/>
+                </a:solidFill>
+              </a:rPr>
+              <a:t>下：</a:t>
             </a:r>
             <a:endParaRPr lang="en-US" altLang="zh-CN" dirty="0">
               <a:solidFill>
@@ -5667,21 +5730,20 @@
           <a:lstStyle/>
           <a:p>
             <a:r>
-              <a:rPr lang="zh-CN" altLang="en-US" dirty="0">
-                <a:solidFill>
-                  <a:schemeClr val="bg1"/>
-                </a:solidFill>
-              </a:rPr>
-              <a:t>你需要记住这个数</a:t>
-            </a:r>
-            <a:r>
               <a:rPr lang="zh-CN" altLang="en-US" dirty="0" smtClean="0">
                 <a:solidFill>
                   <a:schemeClr val="bg1"/>
                 </a:solidFill>
               </a:rPr>
-              <a:t>字（盯住注视点，余光观察）</a:t>
-            </a:r>
+              <a:t>上方的数字代表固定的金额</a:t>
+            </a:r>
+            <a:endParaRPr lang="en-US" altLang="zh-CN" dirty="0" smtClean="0">
+              <a:solidFill>
+                <a:schemeClr val="bg1"/>
+              </a:solidFill>
+            </a:endParaRPr>
+          </a:p>
+          <a:p>
             <a:endParaRPr lang="en-US" altLang="zh-CN" dirty="0">
               <a:solidFill>
                 <a:schemeClr val="bg1"/>
@@ -5689,20 +5751,21 @@
             </a:endParaRPr>
           </a:p>
           <a:p>
-            <a:endParaRPr lang="en-US" altLang="zh-CN" dirty="0">
-              <a:solidFill>
-                <a:schemeClr val="bg1"/>
-              </a:solidFill>
-            </a:endParaRPr>
-          </a:p>
-          <a:p>
+            <a:r>
+              <a:rPr lang="zh-CN" altLang="en-US" dirty="0" smtClean="0">
+                <a:solidFill>
+                  <a:schemeClr val="bg1"/>
+                </a:solidFill>
+              </a:rPr>
+              <a:t>数</a:t>
+            </a:r>
             <a:r>
               <a:rPr lang="zh-CN" altLang="en-US" dirty="0">
                 <a:solidFill>
                   <a:schemeClr val="bg1"/>
                 </a:solidFill>
               </a:rPr>
-              <a:t>数字前为“</a:t>
+              <a:t>字前为“</a:t>
             </a:r>
             <a:r>
               <a:rPr lang="en-US" altLang="zh-CN" dirty="0">
@@ -5812,8 +5875,8 @@
         </p:nvSpPr>
         <p:spPr>
           <a:xfrm rot="10800000" flipH="1" flipV="1">
-            <a:off x="5202269" y="4140195"/>
-            <a:ext cx="5935632" cy="1200329"/>
+            <a:off x="5202269" y="4001696"/>
+            <a:ext cx="5935632" cy="1477328"/>
           </a:xfrm>
           <a:prstGeom prst="rect">
             <a:avLst/>
@@ -5856,7 +5919,7 @@
                   <a:schemeClr val="bg1"/>
                 </a:solidFill>
               </a:rPr>
-              <a:t>”消失后，</a:t>
+              <a:t>”</a:t>
             </a:r>
             <a:r>
               <a:rPr lang="zh-CN" altLang="en-US" dirty="0">
@@ -5864,7 +5927,7 @@
                   <a:schemeClr val="bg1"/>
                 </a:solidFill>
               </a:rPr>
-              <a:t>新</a:t>
+              <a:t>下</a:t>
             </a:r>
             <a:r>
               <a:rPr lang="zh-CN" altLang="en-US" dirty="0" smtClean="0">
@@ -5872,7 +5935,15 @@
                   <a:schemeClr val="bg1"/>
                 </a:solidFill>
               </a:rPr>
-              <a:t>出</a:t>
+              <a:t>方的</a:t>
+            </a:r>
+            <a:r>
+              <a:rPr lang="zh-CN" altLang="en-US" dirty="0" smtClean="0">
+                <a:solidFill>
+                  <a:schemeClr val="bg1"/>
+                </a:solidFill>
+              </a:rPr>
+              <a:t>两</a:t>
             </a:r>
             <a:r>
               <a:rPr lang="zh-CN" altLang="en-US" dirty="0">
@@ -5880,7 +5951,7 @@
                   <a:schemeClr val="bg1"/>
                 </a:solidFill>
               </a:rPr>
-              <a:t>现了两个数字</a:t>
+              <a:t>个数字</a:t>
             </a:r>
             <a:endParaRPr lang="en-US" altLang="zh-CN" dirty="0">
               <a:solidFill>
@@ -5902,15 +5973,7 @@
                   <a:schemeClr val="bg1"/>
                 </a:solidFill>
               </a:rPr>
-              <a:t>新</a:t>
-            </a:r>
-            <a:r>
-              <a:rPr lang="zh-CN" altLang="en-US" dirty="0">
-                <a:solidFill>
-                  <a:schemeClr val="bg1"/>
-                </a:solidFill>
-              </a:rPr>
-              <a:t>出现的数字表</a:t>
+              <a:t>表</a:t>
             </a:r>
             <a:r>
               <a:rPr lang="zh-CN" altLang="en-US" dirty="0" smtClean="0">
@@ -5918,8 +5981,23 @@
                   <a:schemeClr val="bg1"/>
                 </a:solidFill>
               </a:rPr>
-              <a:t>示不确定的得失，</a:t>
-            </a:r>
+              <a:t>示不确定的得失</a:t>
+            </a:r>
+            <a:r>
+              <a:rPr lang="zh-CN" altLang="en-US" dirty="0" smtClean="0">
+                <a:solidFill>
+                  <a:schemeClr val="bg1"/>
+                </a:solidFill>
+              </a:rPr>
+              <a:t>，</a:t>
+            </a:r>
+            <a:endParaRPr lang="en-US" altLang="zh-CN" dirty="0" smtClean="0">
+              <a:solidFill>
+                <a:schemeClr val="bg1"/>
+              </a:solidFill>
+            </a:endParaRPr>
+          </a:p>
+          <a:p>
             <a:endParaRPr lang="en-US" altLang="zh-CN" dirty="0">
               <a:solidFill>
                 <a:schemeClr val="bg1"/>
@@ -6069,27 +6147,21 @@
       </p:sp>
       <p:grpSp>
         <p:nvGrpSpPr>
-          <p:cNvPr id="21" name="组合 35">
-            <a:extLst>
-              <a:ext uri="{FF2B5EF4-FFF2-40B4-BE49-F238E27FC236}">
-                <a16:creationId xmlns:a16="http://schemas.microsoft.com/office/drawing/2014/main" id="{A653E1A0-44CD-4157-B912-D7DAE3207D5E}"/>
-              </a:ext>
-            </a:extLst>
-          </p:cNvPr>
+          <p:cNvPr id="19" name="Group 18"/>
           <p:cNvGrpSpPr/>
           <p:nvPr/>
         </p:nvGrpSpPr>
         <p:grpSpPr>
           <a:xfrm>
-            <a:off x="1969776" y="1612181"/>
-            <a:ext cx="2546478" cy="1475301"/>
-            <a:chOff x="4440026" y="1181181"/>
+            <a:off x="1604181" y="1469470"/>
+            <a:ext cx="3035635" cy="1758694"/>
+            <a:chOff x="5939051" y="1260789"/>
             <a:chExt cx="3035635" cy="1758694"/>
           </a:xfrm>
         </p:grpSpPr>
         <p:grpSp>
           <p:nvGrpSpPr>
-            <p:cNvPr id="22" name="组合 65">
+            <p:cNvPr id="20" name="组合 65">
               <a:extLst>
                 <a:ext uri="{FF2B5EF4-FFF2-40B4-BE49-F238E27FC236}">
                   <a16:creationId xmlns:a16="http://schemas.microsoft.com/office/drawing/2014/main" id="{00323727-DF03-4A9E-A278-8E08631096A2}"/>
@@ -6101,7 +6173,7 @@
           </p:nvGrpSpPr>
           <p:grpSpPr>
             <a:xfrm>
-              <a:off x="4440026" y="1181181"/>
+              <a:off x="5939051" y="1260789"/>
               <a:ext cx="3035635" cy="1758694"/>
               <a:chOff x="6835081" y="1492668"/>
               <a:chExt cx="3046059" cy="1764734"/>
@@ -6109,7 +6181,7 @@
           </p:grpSpPr>
           <p:sp>
             <p:nvSpPr>
-              <p:cNvPr id="24" name="矩形 68">
+              <p:cNvPr id="29" name="矩形 68">
                 <a:extLst>
                   <a:ext uri="{FF2B5EF4-FFF2-40B4-BE49-F238E27FC236}">
                     <a16:creationId xmlns:a16="http://schemas.microsoft.com/office/drawing/2014/main" id="{FC28F3C4-E5C6-4B7B-B972-6E41D7C632AD}"/>
@@ -6177,7 +6249,7 @@
           </p:sp>
           <p:sp>
             <p:nvSpPr>
-              <p:cNvPr id="25" name="文本框 70">
+              <p:cNvPr id="30" name="文本框 70">
                 <a:extLst>
                   <a:ext uri="{FF2B5EF4-FFF2-40B4-BE49-F238E27FC236}">
                     <a16:creationId xmlns:a16="http://schemas.microsoft.com/office/drawing/2014/main" id="{9BAF90D8-3B36-4CB2-BC57-204948108E75}"/>
@@ -6214,7 +6286,7 @@
         </p:grpSp>
         <p:sp>
           <p:nvSpPr>
-            <p:cNvPr id="23" name="矩形 66">
+            <p:cNvPr id="26" name="矩形 66">
               <a:extLst>
                 <a:ext uri="{FF2B5EF4-FFF2-40B4-BE49-F238E27FC236}">
                   <a16:creationId xmlns:a16="http://schemas.microsoft.com/office/drawing/2014/main" id="{6B0F0F97-11EE-4416-891D-5D38CD3CE8EC}"/>
@@ -6226,7 +6298,341 @@
           </p:nvSpPr>
           <p:spPr>
             <a:xfrm>
-              <a:off x="5569514" y="1860173"/>
+              <a:off x="7068539" y="1624482"/>
+              <a:ext cx="776654" cy="400708"/>
+            </a:xfrm>
+            <a:prstGeom prst="rect">
+              <a:avLst/>
+            </a:prstGeom>
+            <a:noFill/>
+            <a:ln>
+              <a:solidFill>
+                <a:srgbClr val="FF0000"/>
+              </a:solidFill>
+            </a:ln>
+          </p:spPr>
+          <p:style>
+            <a:lnRef idx="2">
+              <a:schemeClr val="accent1">
+                <a:shade val="50000"/>
+              </a:schemeClr>
+            </a:lnRef>
+            <a:fillRef idx="1">
+              <a:schemeClr val="accent1"/>
+            </a:fillRef>
+            <a:effectRef idx="0">
+              <a:schemeClr val="accent1"/>
+            </a:effectRef>
+            <a:fontRef idx="minor">
+              <a:schemeClr val="lt1"/>
+            </a:fontRef>
+          </p:style>
+          <p:txBody>
+            <a:bodyPr rtlCol="0" anchor="ctr"/>
+            <a:lstStyle/>
+            <a:p>
+              <a:pPr algn="ctr"/>
+              <a:r>
+                <a:rPr lang="en-US" altLang="zh-CN" dirty="0">
+                  <a:solidFill>
+                    <a:schemeClr val="tx1"/>
+                  </a:solidFill>
+                </a:rPr>
+                <a:t>+10</a:t>
+              </a:r>
+              <a:endParaRPr lang="zh-CN" altLang="en-US" dirty="0">
+                <a:solidFill>
+                  <a:schemeClr val="tx1"/>
+                </a:solidFill>
+              </a:endParaRPr>
+            </a:p>
+          </p:txBody>
+        </p:sp>
+        <p:sp>
+          <p:nvSpPr>
+            <p:cNvPr id="27" name="矩形 55">
+              <a:extLst>
+                <a:ext uri="{FF2B5EF4-FFF2-40B4-BE49-F238E27FC236}">
+                  <a16:creationId xmlns:a16="http://schemas.microsoft.com/office/drawing/2014/main" id="{D6BA67DC-AB9B-4835-8B4F-565DCD95B6A8}"/>
+                </a:ext>
+              </a:extLst>
+            </p:cNvPr>
+            <p:cNvSpPr/>
+            <p:nvPr/>
+          </p:nvSpPr>
+          <p:spPr>
+            <a:xfrm>
+              <a:off x="6819402" y="2241497"/>
+              <a:ext cx="1280250" cy="400708"/>
+            </a:xfrm>
+            <a:prstGeom prst="rect">
+              <a:avLst/>
+            </a:prstGeom>
+            <a:noFill/>
+            <a:ln>
+              <a:solidFill>
+                <a:schemeClr val="bg1">
+                  <a:lumMod val="65000"/>
+                </a:schemeClr>
+              </a:solidFill>
+            </a:ln>
+          </p:spPr>
+          <p:style>
+            <a:lnRef idx="2">
+              <a:schemeClr val="accent1">
+                <a:shade val="50000"/>
+              </a:schemeClr>
+            </a:lnRef>
+            <a:fillRef idx="1">
+              <a:schemeClr val="accent1"/>
+            </a:fillRef>
+            <a:effectRef idx="0">
+              <a:schemeClr val="accent1"/>
+            </a:effectRef>
+            <a:fontRef idx="minor">
+              <a:schemeClr val="lt1"/>
+            </a:fontRef>
+          </p:style>
+          <p:txBody>
+            <a:bodyPr rtlCol="0" anchor="ctr"/>
+            <a:lstStyle/>
+            <a:p>
+              <a:pPr marL="115888" algn="ctr" defTabSz="798513">
+                <a:tabLst>
+                  <a:tab pos="744538" algn="l"/>
+                </a:tabLst>
+              </a:pPr>
+              <a:r>
+                <a:rPr lang="en-US" altLang="zh-CN" dirty="0">
+                  <a:solidFill>
+                    <a:schemeClr val="tx1"/>
+                  </a:solidFill>
+                </a:rPr>
+                <a:t>-</a:t>
+              </a:r>
+              <a:r>
+                <a:rPr lang="en-US" altLang="zh-CN" dirty="0" smtClean="0">
+                  <a:solidFill>
+                    <a:schemeClr val="tx1"/>
+                  </a:solidFill>
+                </a:rPr>
+                <a:t>3	+12</a:t>
+              </a:r>
+              <a:endParaRPr lang="zh-CN" altLang="en-US" dirty="0">
+                <a:solidFill>
+                  <a:schemeClr val="tx1"/>
+                </a:solidFill>
+              </a:endParaRPr>
+            </a:p>
+          </p:txBody>
+        </p:sp>
+        <p:sp>
+          <p:nvSpPr>
+            <p:cNvPr id="28" name="椭圆 57">
+              <a:extLst>
+                <a:ext uri="{FF2B5EF4-FFF2-40B4-BE49-F238E27FC236}">
+                  <a16:creationId xmlns:a16="http://schemas.microsoft.com/office/drawing/2014/main" id="{373902A1-8B3B-46AB-B8DE-2D4D3E33B5AD}"/>
+                </a:ext>
+              </a:extLst>
+            </p:cNvPr>
+            <p:cNvSpPr/>
+            <p:nvPr/>
+          </p:nvSpPr>
+          <p:spPr>
+            <a:xfrm>
+              <a:off x="7436429" y="2120915"/>
+              <a:ext cx="45719" cy="45719"/>
+            </a:xfrm>
+            <a:prstGeom prst="ellipse">
+              <a:avLst/>
+            </a:prstGeom>
+            <a:solidFill>
+              <a:schemeClr val="tx1"/>
+            </a:solidFill>
+            <a:ln>
+              <a:noFill/>
+            </a:ln>
+          </p:spPr>
+          <p:style>
+            <a:lnRef idx="2">
+              <a:schemeClr val="accent1">
+                <a:shade val="50000"/>
+              </a:schemeClr>
+            </a:lnRef>
+            <a:fillRef idx="1">
+              <a:schemeClr val="accent1"/>
+            </a:fillRef>
+            <a:effectRef idx="0">
+              <a:schemeClr val="accent1"/>
+            </a:effectRef>
+            <a:fontRef idx="minor">
+              <a:schemeClr val="lt1"/>
+            </a:fontRef>
+          </p:style>
+          <p:txBody>
+            <a:bodyPr rtlCol="0" anchor="ctr"/>
+            <a:lstStyle/>
+            <a:p>
+              <a:pPr algn="ctr"/>
+              <a:endParaRPr lang="zh-CN" altLang="en-US"/>
+            </a:p>
+          </p:txBody>
+        </p:sp>
+      </p:grpSp>
+      <p:grpSp>
+        <p:nvGrpSpPr>
+          <p:cNvPr id="42" name="Group 41"/>
+          <p:cNvGrpSpPr/>
+          <p:nvPr/>
+        </p:nvGrpSpPr>
+        <p:grpSpPr>
+          <a:xfrm>
+            <a:off x="1604181" y="3831594"/>
+            <a:ext cx="3035635" cy="1758694"/>
+            <a:chOff x="5939051" y="1260789"/>
+            <a:chExt cx="3035635" cy="1758694"/>
+          </a:xfrm>
+        </p:grpSpPr>
+        <p:grpSp>
+          <p:nvGrpSpPr>
+            <p:cNvPr id="43" name="组合 65">
+              <a:extLst>
+                <a:ext uri="{FF2B5EF4-FFF2-40B4-BE49-F238E27FC236}">
+                  <a16:creationId xmlns:a16="http://schemas.microsoft.com/office/drawing/2014/main" id="{00323727-DF03-4A9E-A278-8E08631096A2}"/>
+                </a:ext>
+              </a:extLst>
+            </p:cNvPr>
+            <p:cNvGrpSpPr/>
+            <p:nvPr/>
+          </p:nvGrpSpPr>
+          <p:grpSpPr>
+            <a:xfrm>
+              <a:off x="5939051" y="1260789"/>
+              <a:ext cx="3035635" cy="1758694"/>
+              <a:chOff x="6835081" y="1492668"/>
+              <a:chExt cx="3046059" cy="1764734"/>
+            </a:xfrm>
+          </p:grpSpPr>
+          <p:sp>
+            <p:nvSpPr>
+              <p:cNvPr id="47" name="矩形 68">
+                <a:extLst>
+                  <a:ext uri="{FF2B5EF4-FFF2-40B4-BE49-F238E27FC236}">
+                    <a16:creationId xmlns:a16="http://schemas.microsoft.com/office/drawing/2014/main" id="{FC28F3C4-E5C6-4B7B-B972-6E41D7C632AD}"/>
+                  </a:ext>
+                </a:extLst>
+              </p:cNvPr>
+              <p:cNvSpPr/>
+              <p:nvPr/>
+            </p:nvSpPr>
+            <p:spPr>
+              <a:xfrm>
+                <a:off x="6835081" y="1492668"/>
+                <a:ext cx="3046059" cy="1764734"/>
+              </a:xfrm>
+              <a:prstGeom prst="rect">
+                <a:avLst/>
+              </a:prstGeom>
+              <a:solidFill>
+                <a:srgbClr val="777777"/>
+              </a:solidFill>
+              <a:ln>
+                <a:solidFill>
+                  <a:schemeClr val="tx1">
+                    <a:lumMod val="65000"/>
+                    <a:lumOff val="35000"/>
+                  </a:schemeClr>
+                </a:solidFill>
+              </a:ln>
+              <a:effectLst>
+                <a:outerShdw blurRad="50800" dist="38100" dir="2700000" algn="tl" rotWithShape="0">
+                  <a:prstClr val="black">
+                    <a:alpha val="40000"/>
+                  </a:prstClr>
+                </a:outerShdw>
+              </a:effectLst>
+            </p:spPr>
+            <p:style>
+              <a:lnRef idx="2">
+                <a:schemeClr val="accent1">
+                  <a:shade val="50000"/>
+                </a:schemeClr>
+              </a:lnRef>
+              <a:fillRef idx="1">
+                <a:schemeClr val="accent1"/>
+              </a:fillRef>
+              <a:effectRef idx="0">
+                <a:schemeClr val="accent1"/>
+              </a:effectRef>
+              <a:fontRef idx="minor">
+                <a:schemeClr val="lt1"/>
+              </a:fontRef>
+            </p:style>
+            <p:txBody>
+              <a:bodyPr rtlCol="0" anchor="ctr"/>
+              <a:lstStyle/>
+              <a:p>
+                <a:pPr algn="ctr"/>
+                <a:endParaRPr lang="zh-CN" altLang="en-US" sz="3200" dirty="0">
+                  <a:solidFill>
+                    <a:schemeClr val="bg1"/>
+                  </a:solidFill>
+                </a:endParaRPr>
+              </a:p>
+            </p:txBody>
+          </p:sp>
+          <p:sp>
+            <p:nvSpPr>
+              <p:cNvPr id="48" name="文本框 70">
+                <a:extLst>
+                  <a:ext uri="{FF2B5EF4-FFF2-40B4-BE49-F238E27FC236}">
+                    <a16:creationId xmlns:a16="http://schemas.microsoft.com/office/drawing/2014/main" id="{9BAF90D8-3B36-4CB2-BC57-204948108E75}"/>
+                  </a:ext>
+                </a:extLst>
+              </p:cNvPr>
+              <p:cNvSpPr txBox="1"/>
+              <p:nvPr/>
+            </p:nvSpPr>
+            <p:spPr>
+              <a:xfrm>
+                <a:off x="8200855" y="2182872"/>
+                <a:ext cx="314507" cy="525017"/>
+              </a:xfrm>
+              <a:prstGeom prst="rect">
+                <a:avLst/>
+              </a:prstGeom>
+              <a:noFill/>
+            </p:spPr>
+            <p:txBody>
+              <a:bodyPr wrap="square" rtlCol="0">
+                <a:spAutoFit/>
+              </a:bodyPr>
+              <a:lstStyle/>
+              <a:p>
+                <a:endParaRPr lang="zh-CN" altLang="en-US" sz="2800" dirty="0">
+                  <a:solidFill>
+                    <a:schemeClr val="bg1"/>
+                  </a:solidFill>
+                </a:endParaRPr>
+              </a:p>
+            </p:txBody>
+          </p:sp>
+        </p:grpSp>
+        <p:sp>
+          <p:nvSpPr>
+            <p:cNvPr id="44" name="矩形 66">
+              <a:extLst>
+                <a:ext uri="{FF2B5EF4-FFF2-40B4-BE49-F238E27FC236}">
+                  <a16:creationId xmlns:a16="http://schemas.microsoft.com/office/drawing/2014/main" id="{6B0F0F97-11EE-4416-891D-5D38CD3CE8EC}"/>
+                </a:ext>
+              </a:extLst>
+            </p:cNvPr>
+            <p:cNvSpPr/>
+            <p:nvPr/>
+          </p:nvSpPr>
+          <p:spPr>
+            <a:xfrm>
+              <a:off x="7068539" y="1624482"/>
               <a:ext cx="776654" cy="400708"/>
             </a:xfrm>
             <a:prstGeom prst="rect">
@@ -6278,242 +6684,85 @@
             </a:p>
           </p:txBody>
         </p:sp>
-      </p:grpSp>
-      <p:grpSp>
-        <p:nvGrpSpPr>
-          <p:cNvPr id="31" name="Group 30"/>
-          <p:cNvGrpSpPr/>
-          <p:nvPr/>
-        </p:nvGrpSpPr>
-        <p:grpSpPr>
-          <a:xfrm>
-            <a:off x="1969773" y="4002709"/>
-            <a:ext cx="2546478" cy="1475301"/>
-            <a:chOff x="7603619" y="2819672"/>
-            <a:chExt cx="2546478" cy="1475301"/>
-          </a:xfrm>
-        </p:grpSpPr>
-        <p:grpSp>
-          <p:nvGrpSpPr>
-            <p:cNvPr id="35" name="Group 34"/>
-            <p:cNvGrpSpPr/>
+        <p:sp>
+          <p:nvSpPr>
+            <p:cNvPr id="45" name="矩形 55">
+              <a:extLst>
+                <a:ext uri="{FF2B5EF4-FFF2-40B4-BE49-F238E27FC236}">
+                  <a16:creationId xmlns:a16="http://schemas.microsoft.com/office/drawing/2014/main" id="{D6BA67DC-AB9B-4835-8B4F-565DCD95B6A8}"/>
+                </a:ext>
+              </a:extLst>
+            </p:cNvPr>
+            <p:cNvSpPr/>
             <p:nvPr/>
-          </p:nvGrpSpPr>
-          <p:grpSpPr>
+          </p:nvSpPr>
+          <p:spPr>
             <a:xfrm>
-              <a:off x="7603619" y="2819672"/>
-              <a:ext cx="2546478" cy="1475301"/>
-              <a:chOff x="7603619" y="2819672"/>
-              <a:chExt cx="2546478" cy="1475301"/>
+              <a:off x="6819402" y="2241497"/>
+              <a:ext cx="1280250" cy="400708"/>
             </a:xfrm>
-          </p:grpSpPr>
-          <p:grpSp>
-            <p:nvGrpSpPr>
-              <p:cNvPr id="38" name="组合 53">
-                <a:extLst>
-                  <a:ext uri="{FF2B5EF4-FFF2-40B4-BE49-F238E27FC236}">
-                    <a16:creationId xmlns:a16="http://schemas.microsoft.com/office/drawing/2014/main" id="{9699C951-39FE-45D3-8614-084A4FA4731E}"/>
-                  </a:ext>
-                </a:extLst>
-              </p:cNvPr>
-              <p:cNvGrpSpPr/>
-              <p:nvPr/>
-            </p:nvGrpSpPr>
-            <p:grpSpPr>
-              <a:xfrm>
-                <a:off x="7603619" y="2819672"/>
-                <a:ext cx="2546478" cy="1475301"/>
-                <a:chOff x="6835081" y="1492668"/>
-                <a:chExt cx="3046059" cy="1764734"/>
-              </a:xfrm>
-            </p:grpSpPr>
-            <p:sp>
-              <p:nvSpPr>
-                <p:cNvPr id="40" name="矩形 59">
-                  <a:extLst>
-                    <a:ext uri="{FF2B5EF4-FFF2-40B4-BE49-F238E27FC236}">
-                      <a16:creationId xmlns:a16="http://schemas.microsoft.com/office/drawing/2014/main" id="{1E773737-473F-4860-BC67-4EE0B0BFBA3F}"/>
-                    </a:ext>
-                  </a:extLst>
-                </p:cNvPr>
-                <p:cNvSpPr/>
-                <p:nvPr/>
-              </p:nvSpPr>
-              <p:spPr>
-                <a:xfrm>
-                  <a:off x="6835081" y="1492668"/>
-                  <a:ext cx="3046059" cy="1764734"/>
-                </a:xfrm>
-                <a:prstGeom prst="rect">
-                  <a:avLst/>
-                </a:prstGeom>
-                <a:solidFill>
-                  <a:srgbClr val="777777"/>
-                </a:solidFill>
-                <a:ln>
-                  <a:solidFill>
-                    <a:schemeClr val="tx1">
-                      <a:lumMod val="65000"/>
-                      <a:lumOff val="35000"/>
-                    </a:schemeClr>
-                  </a:solidFill>
-                </a:ln>
-                <a:effectLst>
-                  <a:outerShdw blurRad="50800" dist="38100" dir="2700000" algn="tl" rotWithShape="0">
-                    <a:prstClr val="black">
-                      <a:alpha val="40000"/>
-                    </a:prstClr>
-                  </a:outerShdw>
-                </a:effectLst>
-              </p:spPr>
-              <p:style>
-                <a:lnRef idx="2">
-                  <a:schemeClr val="accent1">
-                    <a:shade val="50000"/>
-                  </a:schemeClr>
-                </a:lnRef>
-                <a:fillRef idx="1">
-                  <a:schemeClr val="accent1"/>
-                </a:fillRef>
-                <a:effectRef idx="0">
-                  <a:schemeClr val="accent1"/>
-                </a:effectRef>
-                <a:fontRef idx="minor">
-                  <a:schemeClr val="lt1"/>
-                </a:fontRef>
-              </p:style>
-              <p:txBody>
-                <a:bodyPr rtlCol="0" anchor="ctr"/>
-                <a:lstStyle/>
-                <a:p>
-                  <a:pPr algn="ctr"/>
-                  <a:endParaRPr lang="zh-CN" altLang="en-US" sz="3200" dirty="0">
-                    <a:solidFill>
-                      <a:schemeClr val="bg1"/>
-                    </a:solidFill>
-                  </a:endParaRPr>
-                </a:p>
-              </p:txBody>
-            </p:sp>
-            <p:sp>
-              <p:nvSpPr>
-                <p:cNvPr id="41" name="文本框 60">
-                  <a:extLst>
-                    <a:ext uri="{FF2B5EF4-FFF2-40B4-BE49-F238E27FC236}">
-                      <a16:creationId xmlns:a16="http://schemas.microsoft.com/office/drawing/2014/main" id="{945D4D64-9457-4117-A9BB-F997E8CAEF89}"/>
-                    </a:ext>
-                  </a:extLst>
-                </p:cNvPr>
-                <p:cNvSpPr txBox="1"/>
-                <p:nvPr/>
-              </p:nvSpPr>
-              <p:spPr>
-                <a:xfrm>
-                  <a:off x="8200855" y="2182872"/>
-                  <a:ext cx="314507" cy="525017"/>
-                </a:xfrm>
-                <a:prstGeom prst="rect">
-                  <a:avLst/>
-                </a:prstGeom>
-                <a:noFill/>
-              </p:spPr>
-              <p:txBody>
-                <a:bodyPr wrap="square" rtlCol="0">
-                  <a:spAutoFit/>
-                </a:bodyPr>
-                <a:lstStyle/>
-                <a:p>
-                  <a:endParaRPr lang="zh-CN" altLang="en-US" sz="2800" dirty="0">
-                    <a:solidFill>
-                      <a:schemeClr val="bg1"/>
-                    </a:solidFill>
-                  </a:endParaRPr>
-                </a:p>
-              </p:txBody>
-            </p:sp>
-          </p:grpSp>
-          <p:sp>
-            <p:nvSpPr>
-              <p:cNvPr id="39" name="矩形 55">
-                <a:extLst>
-                  <a:ext uri="{FF2B5EF4-FFF2-40B4-BE49-F238E27FC236}">
-                    <a16:creationId xmlns:a16="http://schemas.microsoft.com/office/drawing/2014/main" id="{D6BA67DC-AB9B-4835-8B4F-565DCD95B6A8}"/>
-                  </a:ext>
-                </a:extLst>
-              </p:cNvPr>
-              <p:cNvSpPr/>
-              <p:nvPr/>
-            </p:nvSpPr>
-            <p:spPr>
-              <a:xfrm>
-                <a:off x="8225351" y="3389252"/>
-                <a:ext cx="1368356" cy="336139"/>
-              </a:xfrm>
-              <a:prstGeom prst="rect">
-                <a:avLst/>
-              </a:prstGeom>
-              <a:noFill/>
-              <a:ln>
-                <a:solidFill>
-                  <a:schemeClr val="bg1">
-                    <a:lumMod val="65000"/>
-                  </a:schemeClr>
-                </a:solidFill>
-              </a:ln>
-            </p:spPr>
-            <p:style>
-              <a:lnRef idx="2">
-                <a:schemeClr val="accent1">
-                  <a:shade val="50000"/>
-                </a:schemeClr>
-              </a:lnRef>
-              <a:fillRef idx="1">
-                <a:schemeClr val="accent1"/>
-              </a:fillRef>
-              <a:effectRef idx="0">
-                <a:schemeClr val="accent1"/>
-              </a:effectRef>
-              <a:fontRef idx="minor">
-                <a:schemeClr val="lt1"/>
-              </a:fontRef>
-            </p:style>
-            <p:txBody>
-              <a:bodyPr rtlCol="0" anchor="ctr"/>
-              <a:lstStyle/>
-              <a:p>
-                <a:pPr marL="115888" algn="ctr" defTabSz="798513">
-                  <a:tabLst>
-                    <a:tab pos="744538" algn="l"/>
-                  </a:tabLst>
-                </a:pPr>
-                <a:r>
-                  <a:rPr lang="en-US" altLang="zh-CN" dirty="0">
-                    <a:solidFill>
-                      <a:schemeClr val="tx1"/>
-                    </a:solidFill>
-                  </a:rPr>
-                  <a:t>-</a:t>
-                </a:r>
-                <a:r>
-                  <a:rPr lang="en-US" altLang="zh-CN" dirty="0" smtClean="0">
-                    <a:solidFill>
-                      <a:schemeClr val="tx1"/>
-                    </a:solidFill>
-                  </a:rPr>
-                  <a:t>3	+12</a:t>
-                </a:r>
-                <a:endParaRPr lang="zh-CN" altLang="en-US" dirty="0">
+            <a:prstGeom prst="rect">
+              <a:avLst/>
+            </a:prstGeom>
+            <a:noFill/>
+            <a:ln>
+              <a:solidFill>
+                <a:srgbClr val="FF0000"/>
+              </a:solidFill>
+            </a:ln>
+          </p:spPr>
+          <p:style>
+            <a:lnRef idx="2">
+              <a:schemeClr val="accent1">
+                <a:shade val="50000"/>
+              </a:schemeClr>
+            </a:lnRef>
+            <a:fillRef idx="1">
+              <a:schemeClr val="accent1"/>
+            </a:fillRef>
+            <a:effectRef idx="0">
+              <a:schemeClr val="accent1"/>
+            </a:effectRef>
+            <a:fontRef idx="minor">
+              <a:schemeClr val="lt1"/>
+            </a:fontRef>
+          </p:style>
+          <p:txBody>
+            <a:bodyPr rtlCol="0" anchor="ctr"/>
+            <a:lstStyle/>
+            <a:p>
+              <a:pPr marL="115888" algn="ctr" defTabSz="798513">
+                <a:tabLst>
+                  <a:tab pos="744538" algn="l"/>
+                </a:tabLst>
+              </a:pPr>
+              <a:r>
+                <a:rPr lang="en-US" altLang="zh-CN" dirty="0">
                   <a:solidFill>
                     <a:schemeClr val="tx1"/>
                   </a:solidFill>
-                </a:endParaRPr>
-              </a:p>
-            </p:txBody>
-          </p:sp>
-        </p:grpSp>
+                </a:rPr>
+                <a:t>-</a:t>
+              </a:r>
+              <a:r>
+                <a:rPr lang="en-US" altLang="zh-CN" dirty="0" smtClean="0">
+                  <a:solidFill>
+                    <a:schemeClr val="tx1"/>
+                  </a:solidFill>
+                </a:rPr>
+                <a:t>3	+12</a:t>
+              </a:r>
+              <a:endParaRPr lang="zh-CN" altLang="en-US" dirty="0">
+                <a:solidFill>
+                  <a:schemeClr val="tx1"/>
+                </a:solidFill>
+              </a:endParaRPr>
+            </a:p>
+          </p:txBody>
+        </p:sp>
         <p:sp>
           <p:nvSpPr>
-            <p:cNvPr id="36" name="椭圆 57">
+            <p:cNvPr id="46" name="椭圆 57">
               <a:extLst>
                 <a:ext uri="{FF2B5EF4-FFF2-40B4-BE49-F238E27FC236}">
                   <a16:creationId xmlns:a16="http://schemas.microsoft.com/office/drawing/2014/main" id="{373902A1-8B3B-46AB-B8DE-2D4D3E33B5AD}"/>
@@ -6525,8 +6774,8 @@
           </p:nvSpPr>
           <p:spPr>
             <a:xfrm>
-              <a:off x="8857680" y="3539580"/>
-              <a:ext cx="38352" cy="38352"/>
+              <a:off x="7436429" y="2120915"/>
+              <a:ext cx="45719" cy="45719"/>
             </a:xfrm>
             <a:prstGeom prst="ellipse">
               <a:avLst/>
@@ -6564,6 +6813,152 @@
           </p:txBody>
         </p:sp>
       </p:grpSp>
+      <p:cxnSp>
+        <p:nvCxnSpPr>
+          <p:cNvPr id="4" name="Straight Connector 3"/>
+          <p:cNvCxnSpPr>
+            <a:stCxn id="26" idx="3"/>
+            <a:endCxn id="32" idx="1"/>
+          </p:cNvCxnSpPr>
+          <p:nvPr/>
+        </p:nvCxnSpPr>
+        <p:spPr>
+          <a:xfrm>
+            <a:off x="3510323" y="2033517"/>
+            <a:ext cx="1691946" cy="315300"/>
+          </a:xfrm>
+          <a:prstGeom prst="line">
+            <a:avLst/>
+          </a:prstGeom>
+          <a:ln>
+            <a:solidFill>
+              <a:srgbClr val="FF0000"/>
+            </a:solidFill>
+          </a:ln>
+        </p:spPr>
+        <p:style>
+          <a:lnRef idx="1">
+            <a:schemeClr val="accent1"/>
+          </a:lnRef>
+          <a:fillRef idx="0">
+            <a:schemeClr val="accent1"/>
+          </a:fillRef>
+          <a:effectRef idx="0">
+            <a:schemeClr val="accent1"/>
+          </a:effectRef>
+          <a:fontRef idx="minor">
+            <a:schemeClr val="tx1"/>
+          </a:fontRef>
+        </p:style>
+      </p:cxnSp>
+      <p:cxnSp>
+        <p:nvCxnSpPr>
+          <p:cNvPr id="6" name="Straight Connector 5"/>
+          <p:cNvCxnSpPr/>
+          <p:nvPr/>
+        </p:nvCxnSpPr>
+        <p:spPr>
+          <a:xfrm>
+            <a:off x="5202269" y="1610152"/>
+            <a:ext cx="0" cy="1477330"/>
+          </a:xfrm>
+          <a:prstGeom prst="line">
+            <a:avLst/>
+          </a:prstGeom>
+          <a:ln>
+            <a:solidFill>
+              <a:srgbClr val="FF0000"/>
+            </a:solidFill>
+          </a:ln>
+        </p:spPr>
+        <p:style>
+          <a:lnRef idx="1">
+            <a:schemeClr val="accent1"/>
+          </a:lnRef>
+          <a:fillRef idx="0">
+            <a:schemeClr val="accent1"/>
+          </a:fillRef>
+          <a:effectRef idx="0">
+            <a:schemeClr val="accent1"/>
+          </a:effectRef>
+          <a:fontRef idx="minor">
+            <a:schemeClr val="tx1"/>
+          </a:fontRef>
+        </p:style>
+      </p:cxnSp>
+      <p:cxnSp>
+        <p:nvCxnSpPr>
+          <p:cNvPr id="49" name="Straight Connector 48"/>
+          <p:cNvCxnSpPr>
+            <a:stCxn id="45" idx="3"/>
+            <a:endCxn id="33" idx="1"/>
+          </p:cNvCxnSpPr>
+          <p:nvPr/>
+        </p:nvCxnSpPr>
+        <p:spPr>
+          <a:xfrm flipV="1">
+            <a:off x="3764782" y="4740360"/>
+            <a:ext cx="1437487" cy="272296"/>
+          </a:xfrm>
+          <a:prstGeom prst="line">
+            <a:avLst/>
+          </a:prstGeom>
+          <a:ln>
+            <a:solidFill>
+              <a:srgbClr val="FF0000"/>
+            </a:solidFill>
+          </a:ln>
+        </p:spPr>
+        <p:style>
+          <a:lnRef idx="1">
+            <a:schemeClr val="accent1"/>
+          </a:lnRef>
+          <a:fillRef idx="0">
+            <a:schemeClr val="accent1"/>
+          </a:fillRef>
+          <a:effectRef idx="0">
+            <a:schemeClr val="accent1"/>
+          </a:effectRef>
+          <a:fontRef idx="minor">
+            <a:schemeClr val="tx1"/>
+          </a:fontRef>
+        </p:style>
+      </p:cxnSp>
+      <p:cxnSp>
+        <p:nvCxnSpPr>
+          <p:cNvPr id="50" name="Straight Connector 49"/>
+          <p:cNvCxnSpPr/>
+          <p:nvPr/>
+        </p:nvCxnSpPr>
+        <p:spPr>
+          <a:xfrm>
+            <a:off x="5202269" y="3953055"/>
+            <a:ext cx="0" cy="1477330"/>
+          </a:xfrm>
+          <a:prstGeom prst="line">
+            <a:avLst/>
+          </a:prstGeom>
+          <a:ln>
+            <a:solidFill>
+              <a:srgbClr val="FF0000"/>
+            </a:solidFill>
+          </a:ln>
+        </p:spPr>
+        <p:style>
+          <a:lnRef idx="1">
+            <a:schemeClr val="accent1"/>
+          </a:lnRef>
+          <a:fillRef idx="0">
+            <a:schemeClr val="accent1"/>
+          </a:fillRef>
+          <a:effectRef idx="0">
+            <a:schemeClr val="accent1"/>
+          </a:effectRef>
+          <a:fontRef idx="minor">
+            <a:schemeClr val="tx1"/>
+          </a:fontRef>
+        </p:style>
+      </p:cxnSp>
     </p:spTree>
     <p:extLst>
       <p:ext uri="{BB962C8B-B14F-4D97-AF65-F5344CB8AC3E}">
@@ -6603,7 +6998,7 @@
       </p:grpSpPr>
       <p:sp>
         <p:nvSpPr>
-          <p:cNvPr id="47" name="矩形 3">
+          <p:cNvPr id="86" name="矩形 3">
             <a:extLst>
               <a:ext uri="{FF2B5EF4-FFF2-40B4-BE49-F238E27FC236}">
                 <a16:creationId xmlns:a16="http://schemas.microsoft.com/office/drawing/2014/main" id="{209CA7B2-DD05-464A-9AF6-F59B1EADCA06}"/>
@@ -6615,7 +7010,7 @@
         </p:nvSpPr>
         <p:spPr>
           <a:xfrm>
-            <a:off x="3748406" y="752867"/>
+            <a:off x="8226651" y="4067611"/>
             <a:ext cx="1314450" cy="346339"/>
           </a:xfrm>
           <a:prstGeom prst="rect">
@@ -6652,7 +7047,7 @@
           <a:p>
             <a:pPr algn="ctr"/>
             <a:r>
-              <a:rPr lang="zh-CN" altLang="en-US" dirty="0" smtClean="0">
+              <a:rPr lang="zh-CN" altLang="en-US" dirty="0">
                 <a:solidFill>
                   <a:schemeClr val="tx1">
                     <a:lumMod val="75000"/>
@@ -6660,7 +7055,18 @@
                   </a:schemeClr>
                 </a:solidFill>
               </a:rPr>
-              <a:t>开始注视</a:t>
+              <a:t>最</a:t>
+            </a:r>
+            <a:r>
+              <a:rPr lang="zh-CN" altLang="en-US" dirty="0" smtClean="0">
+                <a:solidFill>
+                  <a:schemeClr val="tx1">
+                    <a:lumMod val="75000"/>
+                    <a:lumOff val="25000"/>
+                  </a:schemeClr>
+                </a:solidFill>
+              </a:rPr>
+              <a:t>后一个</a:t>
             </a:r>
             <a:endParaRPr lang="zh-CN" altLang="en-US" dirty="0">
               <a:solidFill>
@@ -6673,9 +7079,361 @@
           </a:p>
         </p:txBody>
       </p:sp>
-      <p:sp>
-        <p:nvSpPr>
-          <p:cNvPr id="44" name="矩形 3">
+      <p:grpSp>
+        <p:nvGrpSpPr>
+          <p:cNvPr id="70" name="Group 69"/>
+          <p:cNvGrpSpPr/>
+          <p:nvPr/>
+        </p:nvGrpSpPr>
+        <p:grpSpPr>
+          <a:xfrm>
+            <a:off x="7603620" y="2637058"/>
+            <a:ext cx="2518564" cy="1459129"/>
+            <a:chOff x="5939051" y="1260789"/>
+            <a:chExt cx="3035635" cy="1758694"/>
+          </a:xfrm>
+        </p:grpSpPr>
+        <p:grpSp>
+          <p:nvGrpSpPr>
+            <p:cNvPr id="75" name="组合 65">
+              <a:extLst>
+                <a:ext uri="{FF2B5EF4-FFF2-40B4-BE49-F238E27FC236}">
+                  <a16:creationId xmlns:a16="http://schemas.microsoft.com/office/drawing/2014/main" id="{00323727-DF03-4A9E-A278-8E08631096A2}"/>
+                </a:ext>
+              </a:extLst>
+            </p:cNvPr>
+            <p:cNvGrpSpPr/>
+            <p:nvPr/>
+          </p:nvGrpSpPr>
+          <p:grpSpPr>
+            <a:xfrm>
+              <a:off x="5939051" y="1260789"/>
+              <a:ext cx="3035635" cy="1758694"/>
+              <a:chOff x="6835081" y="1492668"/>
+              <a:chExt cx="3046059" cy="1764734"/>
+            </a:xfrm>
+          </p:grpSpPr>
+          <p:sp>
+            <p:nvSpPr>
+              <p:cNvPr id="80" name="矩形 68">
+                <a:extLst>
+                  <a:ext uri="{FF2B5EF4-FFF2-40B4-BE49-F238E27FC236}">
+                    <a16:creationId xmlns:a16="http://schemas.microsoft.com/office/drawing/2014/main" id="{FC28F3C4-E5C6-4B7B-B972-6E41D7C632AD}"/>
+                  </a:ext>
+                </a:extLst>
+              </p:cNvPr>
+              <p:cNvSpPr/>
+              <p:nvPr/>
+            </p:nvSpPr>
+            <p:spPr>
+              <a:xfrm>
+                <a:off x="6835081" y="1492668"/>
+                <a:ext cx="3046059" cy="1764734"/>
+              </a:xfrm>
+              <a:prstGeom prst="rect">
+                <a:avLst/>
+              </a:prstGeom>
+              <a:solidFill>
+                <a:srgbClr val="777777"/>
+              </a:solidFill>
+              <a:ln>
+                <a:solidFill>
+                  <a:schemeClr val="tx1">
+                    <a:lumMod val="65000"/>
+                    <a:lumOff val="35000"/>
+                  </a:schemeClr>
+                </a:solidFill>
+              </a:ln>
+              <a:effectLst>
+                <a:outerShdw blurRad="50800" dist="38100" dir="2700000" algn="tl" rotWithShape="0">
+                  <a:prstClr val="black">
+                    <a:alpha val="40000"/>
+                  </a:prstClr>
+                </a:outerShdw>
+              </a:effectLst>
+            </p:spPr>
+            <p:style>
+              <a:lnRef idx="2">
+                <a:schemeClr val="accent1">
+                  <a:shade val="50000"/>
+                </a:schemeClr>
+              </a:lnRef>
+              <a:fillRef idx="1">
+                <a:schemeClr val="accent1"/>
+              </a:fillRef>
+              <a:effectRef idx="0">
+                <a:schemeClr val="accent1"/>
+              </a:effectRef>
+              <a:fontRef idx="minor">
+                <a:schemeClr val="lt1"/>
+              </a:fontRef>
+            </p:style>
+            <p:txBody>
+              <a:bodyPr rtlCol="0" anchor="ctr"/>
+              <a:lstStyle/>
+              <a:p>
+                <a:pPr algn="ctr"/>
+                <a:endParaRPr lang="zh-CN" altLang="en-US" sz="3200" dirty="0">
+                  <a:solidFill>
+                    <a:schemeClr val="bg1"/>
+                  </a:solidFill>
+                </a:endParaRPr>
+              </a:p>
+            </p:txBody>
+          </p:sp>
+          <p:sp>
+            <p:nvSpPr>
+              <p:cNvPr id="81" name="文本框 70">
+                <a:extLst>
+                  <a:ext uri="{FF2B5EF4-FFF2-40B4-BE49-F238E27FC236}">
+                    <a16:creationId xmlns:a16="http://schemas.microsoft.com/office/drawing/2014/main" id="{9BAF90D8-3B36-4CB2-BC57-204948108E75}"/>
+                  </a:ext>
+                </a:extLst>
+              </p:cNvPr>
+              <p:cNvSpPr txBox="1"/>
+              <p:nvPr/>
+            </p:nvSpPr>
+            <p:spPr>
+              <a:xfrm>
+                <a:off x="8200855" y="2182872"/>
+                <a:ext cx="314507" cy="622224"/>
+              </a:xfrm>
+              <a:prstGeom prst="rect">
+                <a:avLst/>
+              </a:prstGeom>
+              <a:noFill/>
+            </p:spPr>
+            <p:txBody>
+              <a:bodyPr wrap="square" rtlCol="0">
+                <a:spAutoFit/>
+              </a:bodyPr>
+              <a:lstStyle/>
+              <a:p>
+                <a:endParaRPr lang="zh-CN" altLang="en-US" sz="2800" dirty="0">
+                  <a:solidFill>
+                    <a:schemeClr val="bg1"/>
+                  </a:solidFill>
+                </a:endParaRPr>
+              </a:p>
+            </p:txBody>
+          </p:sp>
+        </p:grpSp>
+        <p:sp>
+          <p:nvSpPr>
+            <p:cNvPr id="77" name="矩形 66">
+              <a:extLst>
+                <a:ext uri="{FF2B5EF4-FFF2-40B4-BE49-F238E27FC236}">
+                  <a16:creationId xmlns:a16="http://schemas.microsoft.com/office/drawing/2014/main" id="{6B0F0F97-11EE-4416-891D-5D38CD3CE8EC}"/>
+                </a:ext>
+              </a:extLst>
+            </p:cNvPr>
+            <p:cNvSpPr/>
+            <p:nvPr/>
+          </p:nvSpPr>
+          <p:spPr>
+            <a:xfrm>
+              <a:off x="7068539" y="1624482"/>
+              <a:ext cx="776654" cy="400708"/>
+            </a:xfrm>
+            <a:prstGeom prst="rect">
+              <a:avLst/>
+            </a:prstGeom>
+            <a:noFill/>
+            <a:ln>
+              <a:solidFill>
+                <a:schemeClr val="bg1">
+                  <a:lumMod val="65000"/>
+                </a:schemeClr>
+              </a:solidFill>
+            </a:ln>
+          </p:spPr>
+          <p:style>
+            <a:lnRef idx="2">
+              <a:schemeClr val="accent1">
+                <a:shade val="50000"/>
+              </a:schemeClr>
+            </a:lnRef>
+            <a:fillRef idx="1">
+              <a:schemeClr val="accent1"/>
+            </a:fillRef>
+            <a:effectRef idx="0">
+              <a:schemeClr val="accent1"/>
+            </a:effectRef>
+            <a:fontRef idx="minor">
+              <a:schemeClr val="lt1"/>
+            </a:fontRef>
+          </p:style>
+          <p:txBody>
+            <a:bodyPr rtlCol="0" anchor="ctr"/>
+            <a:lstStyle/>
+            <a:p>
+              <a:pPr algn="ctr"/>
+              <a:r>
+                <a:rPr lang="en-US" altLang="zh-CN" dirty="0" smtClean="0">
+                  <a:solidFill>
+                    <a:schemeClr val="tx1"/>
+                  </a:solidFill>
+                </a:rPr>
+                <a:t>-18</a:t>
+              </a:r>
+              <a:endParaRPr lang="zh-CN" altLang="en-US" dirty="0">
+                <a:solidFill>
+                  <a:schemeClr val="tx1"/>
+                </a:solidFill>
+              </a:endParaRPr>
+            </a:p>
+          </p:txBody>
+        </p:sp>
+        <p:sp>
+          <p:nvSpPr>
+            <p:cNvPr id="78" name="矩形 55">
+              <a:extLst>
+                <a:ext uri="{FF2B5EF4-FFF2-40B4-BE49-F238E27FC236}">
+                  <a16:creationId xmlns:a16="http://schemas.microsoft.com/office/drawing/2014/main" id="{D6BA67DC-AB9B-4835-8B4F-565DCD95B6A8}"/>
+                </a:ext>
+              </a:extLst>
+            </p:cNvPr>
+            <p:cNvSpPr/>
+            <p:nvPr/>
+          </p:nvSpPr>
+          <p:spPr>
+            <a:xfrm>
+              <a:off x="6819402" y="2241497"/>
+              <a:ext cx="1280250" cy="400708"/>
+            </a:xfrm>
+            <a:prstGeom prst="rect">
+              <a:avLst/>
+            </a:prstGeom>
+            <a:noFill/>
+            <a:ln>
+              <a:solidFill>
+                <a:schemeClr val="bg1">
+                  <a:lumMod val="65000"/>
+                </a:schemeClr>
+              </a:solidFill>
+            </a:ln>
+          </p:spPr>
+          <p:style>
+            <a:lnRef idx="2">
+              <a:schemeClr val="accent1">
+                <a:shade val="50000"/>
+              </a:schemeClr>
+            </a:lnRef>
+            <a:fillRef idx="1">
+              <a:schemeClr val="accent1"/>
+            </a:fillRef>
+            <a:effectRef idx="0">
+              <a:schemeClr val="accent1"/>
+            </a:effectRef>
+            <a:fontRef idx="minor">
+              <a:schemeClr val="lt1"/>
+            </a:fontRef>
+          </p:style>
+          <p:txBody>
+            <a:bodyPr rtlCol="0" anchor="ctr"/>
+            <a:lstStyle/>
+            <a:p>
+              <a:pPr marL="115888" algn="ctr" defTabSz="798513">
+                <a:tabLst>
+                  <a:tab pos="744538" algn="l"/>
+                </a:tabLst>
+              </a:pPr>
+              <a:r>
+                <a:rPr lang="en-US" altLang="zh-CN" dirty="0">
+                  <a:solidFill>
+                    <a:schemeClr val="tx1"/>
+                  </a:solidFill>
+                </a:rPr>
+                <a:t>+</a:t>
+              </a:r>
+              <a:r>
+                <a:rPr lang="en-US" altLang="zh-CN" dirty="0" smtClean="0">
+                  <a:solidFill>
+                    <a:schemeClr val="tx1"/>
+                  </a:solidFill>
+                </a:rPr>
+                <a:t>3    </a:t>
+              </a:r>
+              <a:r>
+                <a:rPr lang="en-US" altLang="zh-CN" dirty="0">
+                  <a:solidFill>
+                    <a:schemeClr val="tx1"/>
+                  </a:solidFill>
+                </a:rPr>
+                <a:t>-</a:t>
+              </a:r>
+              <a:r>
+                <a:rPr lang="en-US" altLang="zh-CN" dirty="0" smtClean="0">
+                  <a:solidFill>
+                    <a:schemeClr val="tx1"/>
+                  </a:solidFill>
+                </a:rPr>
+                <a:t>18</a:t>
+              </a:r>
+              <a:endParaRPr lang="zh-CN" altLang="en-US" dirty="0">
+                <a:solidFill>
+                  <a:schemeClr val="tx1"/>
+                </a:solidFill>
+              </a:endParaRPr>
+            </a:p>
+          </p:txBody>
+        </p:sp>
+        <p:sp>
+          <p:nvSpPr>
+            <p:cNvPr id="79" name="椭圆 57">
+              <a:extLst>
+                <a:ext uri="{FF2B5EF4-FFF2-40B4-BE49-F238E27FC236}">
+                  <a16:creationId xmlns:a16="http://schemas.microsoft.com/office/drawing/2014/main" id="{373902A1-8B3B-46AB-B8DE-2D4D3E33B5AD}"/>
+                </a:ext>
+              </a:extLst>
+            </p:cNvPr>
+            <p:cNvSpPr/>
+            <p:nvPr/>
+          </p:nvSpPr>
+          <p:spPr>
+            <a:xfrm>
+              <a:off x="7436429" y="2120915"/>
+              <a:ext cx="45719" cy="45719"/>
+            </a:xfrm>
+            <a:prstGeom prst="ellipse">
+              <a:avLst/>
+            </a:prstGeom>
+            <a:solidFill>
+              <a:schemeClr val="tx1"/>
+            </a:solidFill>
+            <a:ln>
+              <a:noFill/>
+            </a:ln>
+          </p:spPr>
+          <p:style>
+            <a:lnRef idx="2">
+              <a:schemeClr val="accent1">
+                <a:shade val="50000"/>
+              </a:schemeClr>
+            </a:lnRef>
+            <a:fillRef idx="1">
+              <a:schemeClr val="accent1"/>
+            </a:fillRef>
+            <a:effectRef idx="0">
+              <a:schemeClr val="accent1"/>
+            </a:effectRef>
+            <a:fontRef idx="minor">
+              <a:schemeClr val="lt1"/>
+            </a:fontRef>
+          </p:style>
+          <p:txBody>
+            <a:bodyPr rtlCol="0" anchor="ctr"/>
+            <a:lstStyle/>
+            <a:p>
+              <a:pPr algn="ctr"/>
+              <a:endParaRPr lang="zh-CN" altLang="en-US"/>
+            </a:p>
+          </p:txBody>
+        </p:sp>
+      </p:grpSp>
+      <p:sp>
+        <p:nvSpPr>
+          <p:cNvPr id="47" name="矩形 3">
             <a:extLst>
               <a:ext uri="{FF2B5EF4-FFF2-40B4-BE49-F238E27FC236}">
                 <a16:creationId xmlns:a16="http://schemas.microsoft.com/office/drawing/2014/main" id="{209CA7B2-DD05-464A-9AF6-F59B1EADCA06}"/>
@@ -6687,7 +7445,7 @@
         </p:nvSpPr>
         <p:spPr>
           <a:xfrm>
-            <a:off x="2606631" y="4266397"/>
+            <a:off x="3748406" y="554081"/>
             <a:ext cx="1314450" cy="346339"/>
           </a:xfrm>
           <a:prstGeom prst="rect">
@@ -6724,7 +7482,7 @@
           <a:p>
             <a:pPr algn="ctr"/>
             <a:r>
-              <a:rPr lang="zh-CN" altLang="en-US" dirty="0">
+              <a:rPr lang="zh-CN" altLang="en-US" dirty="0" smtClean="0">
                 <a:solidFill>
                   <a:schemeClr val="tx1">
                     <a:lumMod val="75000"/>
@@ -6732,14 +7490,22 @@
                   </a:schemeClr>
                 </a:solidFill>
               </a:rPr>
-              <a:t>眨眼休息</a:t>
-            </a:r>
+              <a:t>开始注视</a:t>
+            </a:r>
+            <a:endParaRPr lang="zh-CN" altLang="en-US" dirty="0">
+              <a:solidFill>
+                <a:schemeClr val="tx1">
+                  <a:lumMod val="75000"/>
+                  <a:lumOff val="25000"/>
+                </a:schemeClr>
+              </a:solidFill>
+            </a:endParaRPr>
           </a:p>
         </p:txBody>
       </p:sp>
       <p:sp>
         <p:nvSpPr>
-          <p:cNvPr id="4" name="矩形 3">
+          <p:cNvPr id="44" name="矩形 3">
             <a:extLst>
               <a:ext uri="{FF2B5EF4-FFF2-40B4-BE49-F238E27FC236}">
                 <a16:creationId xmlns:a16="http://schemas.microsoft.com/office/drawing/2014/main" id="{209CA7B2-DD05-464A-9AF6-F59B1EADCA06}"/>
@@ -6751,7 +7517,7 @@
         </p:nvSpPr>
         <p:spPr>
           <a:xfrm>
-            <a:off x="5401328" y="4266397"/>
+            <a:off x="2606631" y="4067611"/>
             <a:ext cx="1314450" cy="346339"/>
           </a:xfrm>
           <a:prstGeom prst="rect">
@@ -6796,6 +7562,70 @@
                   </a:schemeClr>
                 </a:solidFill>
               </a:rPr>
+              <a:t>眨眼休息</a:t>
+            </a:r>
+          </a:p>
+        </p:txBody>
+      </p:sp>
+      <p:sp>
+        <p:nvSpPr>
+          <p:cNvPr id="4" name="矩形 3">
+            <a:extLst>
+              <a:ext uri="{FF2B5EF4-FFF2-40B4-BE49-F238E27FC236}">
+                <a16:creationId xmlns:a16="http://schemas.microsoft.com/office/drawing/2014/main" id="{209CA7B2-DD05-464A-9AF6-F59B1EADCA06}"/>
+              </a:ext>
+            </a:extLst>
+          </p:cNvPr>
+          <p:cNvSpPr/>
+          <p:nvPr/>
+        </p:nvSpPr>
+        <p:spPr>
+          <a:xfrm>
+            <a:off x="5401328" y="4067611"/>
+            <a:ext cx="1314450" cy="346339"/>
+          </a:xfrm>
+          <a:prstGeom prst="rect">
+            <a:avLst/>
+          </a:prstGeom>
+          <a:solidFill>
+            <a:schemeClr val="bg1">
+              <a:lumMod val="85000"/>
+            </a:schemeClr>
+          </a:solidFill>
+          <a:ln>
+            <a:noFill/>
+          </a:ln>
+        </p:spPr>
+        <p:style>
+          <a:lnRef idx="2">
+            <a:schemeClr val="accent1">
+              <a:shade val="50000"/>
+            </a:schemeClr>
+          </a:lnRef>
+          <a:fillRef idx="1">
+            <a:schemeClr val="accent1"/>
+          </a:fillRef>
+          <a:effectRef idx="0">
+            <a:schemeClr val="accent1"/>
+          </a:effectRef>
+          <a:fontRef idx="minor">
+            <a:schemeClr val="lt1"/>
+          </a:fontRef>
+        </p:style>
+        <p:txBody>
+          <a:bodyPr rtlCol="0" anchor="ctr"/>
+          <a:lstStyle/>
+          <a:p>
+            <a:pPr algn="ctr"/>
+            <a:r>
+              <a:rPr lang="zh-CN" altLang="en-US" dirty="0">
+                <a:solidFill>
+                  <a:schemeClr val="tx1">
+                    <a:lumMod val="75000"/>
+                    <a:lumOff val="25000"/>
+                  </a:schemeClr>
+                </a:solidFill>
+              </a:rPr>
               <a:t>此时按键</a:t>
             </a:r>
           </a:p>
@@ -6815,8 +7645,8 @@
         </p:nvSpPr>
         <p:spPr>
           <a:xfrm rot="10800000" flipH="1" flipV="1">
-            <a:off x="1728030" y="4871977"/>
-            <a:ext cx="8947578" cy="1200329"/>
+            <a:off x="1728030" y="4594979"/>
+            <a:ext cx="8947578" cy="1754326"/>
           </a:xfrm>
           <a:prstGeom prst="rect">
             <a:avLst/>
@@ -6830,41 +7660,20 @@
           <a:lstStyle/>
           <a:p>
             <a:r>
-              <a:rPr lang="zh-CN" altLang="en-US" dirty="0">
-                <a:solidFill>
-                  <a:schemeClr val="bg1"/>
-                </a:solidFill>
-              </a:rPr>
-              <a:t>当屏幕中央的圆点由</a:t>
-            </a:r>
-            <a:r>
-              <a:rPr lang="zh-CN" altLang="en-US" dirty="0"/>
-              <a:t>黑</a:t>
-            </a:r>
-            <a:r>
-              <a:rPr lang="zh-CN" altLang="en-US" dirty="0">
-                <a:solidFill>
-                  <a:schemeClr val="bg1"/>
-                </a:solidFill>
-              </a:rPr>
-              <a:t>变</a:t>
-            </a:r>
-            <a:r>
-              <a:rPr lang="zh-CN" altLang="en-US" dirty="0">
-                <a:solidFill>
-                  <a:srgbClr val="00B050"/>
-                </a:solidFill>
-              </a:rPr>
-              <a:t>绿</a:t>
-            </a:r>
-            <a:r>
-              <a:rPr lang="zh-CN" altLang="en-US" dirty="0">
-                <a:solidFill>
-                  <a:schemeClr val="bg1"/>
-                </a:solidFill>
-              </a:rPr>
-              <a:t>时，你需要作出选择：</a:t>
-            </a:r>
+              <a:rPr lang="zh-CN" altLang="en-US" dirty="0" smtClean="0">
+                <a:solidFill>
+                  <a:schemeClr val="bg1"/>
+                </a:solidFill>
+              </a:rPr>
+              <a:t>尽管每个试次中你看到了很多次需要考虑选择的画面，</a:t>
+            </a:r>
+            <a:endParaRPr lang="en-US" altLang="zh-CN" dirty="0" smtClean="0">
+              <a:solidFill>
+                <a:schemeClr val="bg1"/>
+              </a:solidFill>
+            </a:endParaRPr>
+          </a:p>
+          <a:p>
             <a:endParaRPr lang="en-US" altLang="zh-CN" dirty="0">
               <a:solidFill>
                 <a:schemeClr val="bg1"/>
@@ -6873,12 +7682,63 @@
           </a:p>
           <a:p>
             <a:r>
+              <a:rPr lang="zh-CN" altLang="en-US" dirty="0" smtClean="0">
+                <a:solidFill>
+                  <a:schemeClr val="bg1"/>
+                </a:solidFill>
+              </a:rPr>
+              <a:t>但是，当且仅当屏</a:t>
+            </a:r>
+            <a:r>
               <a:rPr lang="zh-CN" altLang="en-US" dirty="0">
                 <a:solidFill>
                   <a:schemeClr val="bg1"/>
                 </a:solidFill>
               </a:rPr>
-              <a:t>按“↑”键选择上面的数字作</a:t>
+              <a:t>幕中央的圆点由</a:t>
+            </a:r>
+            <a:r>
+              <a:rPr lang="zh-CN" altLang="en-US" dirty="0">
+                <a:effectLst>
+                  <a:outerShdw blurRad="38100" dist="38100" dir="2700000" algn="tl">
+                    <a:srgbClr val="000000">
+                      <a:alpha val="43137"/>
+                    </a:srgbClr>
+                  </a:outerShdw>
+                </a:effectLst>
+              </a:rPr>
+              <a:t>黑</a:t>
+            </a:r>
+            <a:r>
+              <a:rPr lang="zh-CN" altLang="en-US" dirty="0">
+                <a:solidFill>
+                  <a:schemeClr val="bg1"/>
+                </a:solidFill>
+              </a:rPr>
+              <a:t>变</a:t>
+            </a:r>
+            <a:r>
+              <a:rPr lang="zh-CN" altLang="en-US" dirty="0">
+                <a:solidFill>
+                  <a:srgbClr val="00B050"/>
+                </a:solidFill>
+                <a:effectLst>
+                  <a:outerShdw blurRad="38100" dist="38100" dir="2700000" algn="tl">
+                    <a:srgbClr val="000000">
+                      <a:alpha val="43137"/>
+                    </a:srgbClr>
+                  </a:outerShdw>
+                </a:effectLst>
+              </a:rPr>
+              <a:t>绿</a:t>
+            </a:r>
+            <a:r>
+              <a:rPr lang="zh-CN" altLang="en-US" dirty="0">
+                <a:solidFill>
+                  <a:schemeClr val="bg1"/>
+                </a:solidFill>
+              </a:rPr>
+              <a:t>时，</a:t>
             </a:r>
             <a:r>
               <a:rPr lang="zh-CN" altLang="en-US" dirty="0" smtClean="0">
@@ -6886,7 +7746,23 @@
                   <a:schemeClr val="bg1"/>
                 </a:solidFill>
               </a:rPr>
-              <a:t>为结果；按</a:t>
+              <a:t>你才需要根据</a:t>
+            </a:r>
+            <a:r>
+              <a:rPr lang="zh-CN" altLang="en-US" u="sng" dirty="0" smtClean="0">
+                <a:solidFill>
+                  <a:schemeClr val="bg1"/>
+                </a:solidFill>
+              </a:rPr>
+              <a:t>最后一个</a:t>
+            </a:r>
+            <a:r>
+              <a:rPr lang="zh-CN" altLang="en-US" dirty="0" smtClean="0">
+                <a:solidFill>
+                  <a:schemeClr val="bg1"/>
+                </a:solidFill>
+              </a:rPr>
+              <a:t>选择按</a:t>
             </a:r>
             <a:r>
               <a:rPr lang="zh-CN" altLang="en-US" dirty="0">
@@ -6894,7 +7770,7 @@
                   <a:schemeClr val="bg1"/>
                 </a:solidFill>
               </a:rPr>
-              <a:t>“↓”键选</a:t>
+              <a:t>键</a:t>
             </a:r>
             <a:r>
               <a:rPr lang="zh-CN" altLang="en-US" dirty="0" smtClean="0">
@@ -6902,7 +7778,7 @@
                   <a:schemeClr val="bg1"/>
                 </a:solidFill>
               </a:rPr>
-              <a:t>择下面的不确定结果</a:t>
+              <a:t>：</a:t>
             </a:r>
             <a:endParaRPr lang="en-US" altLang="zh-CN" dirty="0">
               <a:solidFill>
@@ -6911,6 +7787,38 @@
             </a:endParaRPr>
           </a:p>
           <a:p>
+            <a:r>
+              <a:rPr lang="zh-CN" altLang="en-US" dirty="0">
+                <a:solidFill>
+                  <a:schemeClr val="bg1"/>
+                </a:solidFill>
+              </a:rPr>
+              <a:t>按“↑”键选择上面的数字作</a:t>
+            </a:r>
+            <a:r>
+              <a:rPr lang="zh-CN" altLang="en-US" dirty="0" smtClean="0">
+                <a:solidFill>
+                  <a:schemeClr val="bg1"/>
+                </a:solidFill>
+              </a:rPr>
+              <a:t>为结果；按</a:t>
+            </a:r>
+            <a:r>
+              <a:rPr lang="zh-CN" altLang="en-US" dirty="0">
+                <a:solidFill>
+                  <a:schemeClr val="bg1"/>
+                </a:solidFill>
+              </a:rPr>
+              <a:t>“↓”键选</a:t>
+            </a:r>
+            <a:r>
+              <a:rPr lang="zh-CN" altLang="en-US" dirty="0" smtClean="0">
+                <a:solidFill>
+                  <a:schemeClr val="bg1"/>
+                </a:solidFill>
+              </a:rPr>
+              <a:t>择下面的不确定结果</a:t>
+            </a:r>
             <a:endParaRPr lang="en-US" altLang="zh-CN" dirty="0">
               <a:solidFill>
                 <a:schemeClr val="bg1"/>
@@ -6918,6 +7826,13 @@
             </a:endParaRPr>
           </a:p>
           <a:p>
+            <a:endParaRPr lang="en-US" altLang="zh-CN" dirty="0">
+              <a:solidFill>
+                <a:schemeClr val="bg1"/>
+              </a:solidFill>
+            </a:endParaRPr>
+          </a:p>
+          <a:p>
             <a:r>
               <a:rPr lang="zh-CN" altLang="en-US" dirty="0">
                 <a:solidFill>
@@ -6963,6 +7878,13 @@
                 <a:solidFill>
                   <a:srgbClr val="FF0000"/>
                 </a:solidFill>
+                <a:effectLst>
+                  <a:outerShdw blurRad="38100" dist="38100" dir="2700000" algn="tl">
+                    <a:srgbClr val="000000">
+                      <a:alpha val="43137"/>
+                    </a:srgbClr>
+                  </a:outerShdw>
+                </a:effectLst>
               </a:rPr>
               <a:t>红</a:t>
             </a:r>
@@ -7137,7 +8059,7 @@
         </p:nvGrpSpPr>
         <p:grpSpPr>
           <a:xfrm>
-            <a:off x="3132394" y="1098152"/>
+            <a:off x="3132394" y="899366"/>
             <a:ext cx="2546478" cy="1475301"/>
             <a:chOff x="1094421" y="1181181"/>
             <a:chExt cx="3035635" cy="1758694"/>
@@ -7323,218 +8245,6 @@
       </p:grpSp>
       <p:grpSp>
         <p:nvGrpSpPr>
-          <p:cNvPr id="36" name="组合 35">
-            <a:extLst>
-              <a:ext uri="{FF2B5EF4-FFF2-40B4-BE49-F238E27FC236}">
-                <a16:creationId xmlns:a16="http://schemas.microsoft.com/office/drawing/2014/main" id="{A653E1A0-44CD-4157-B912-D7DAE3207D5E}"/>
-              </a:ext>
-            </a:extLst>
-          </p:cNvPr>
-          <p:cNvGrpSpPr/>
-          <p:nvPr/>
-        </p:nvGrpSpPr>
-        <p:grpSpPr>
-          <a:xfrm>
-            <a:off x="5938892" y="1095218"/>
-            <a:ext cx="2546478" cy="1475301"/>
-            <a:chOff x="4440026" y="1181181"/>
-            <a:chExt cx="3035635" cy="1758694"/>
-          </a:xfrm>
-        </p:grpSpPr>
-        <p:grpSp>
-          <p:nvGrpSpPr>
-            <p:cNvPr id="66" name="组合 65">
-              <a:extLst>
-                <a:ext uri="{FF2B5EF4-FFF2-40B4-BE49-F238E27FC236}">
-                  <a16:creationId xmlns:a16="http://schemas.microsoft.com/office/drawing/2014/main" id="{00323727-DF03-4A9E-A278-8E08631096A2}"/>
-                </a:ext>
-              </a:extLst>
-            </p:cNvPr>
-            <p:cNvGrpSpPr/>
-            <p:nvPr/>
-          </p:nvGrpSpPr>
-          <p:grpSpPr>
-            <a:xfrm>
-              <a:off x="4440026" y="1181181"/>
-              <a:ext cx="3035635" cy="1758694"/>
-              <a:chOff x="6835081" y="1492668"/>
-              <a:chExt cx="3046059" cy="1764734"/>
-            </a:xfrm>
-          </p:grpSpPr>
-          <p:sp>
-            <p:nvSpPr>
-              <p:cNvPr id="69" name="矩形 68">
-                <a:extLst>
-                  <a:ext uri="{FF2B5EF4-FFF2-40B4-BE49-F238E27FC236}">
-                    <a16:creationId xmlns:a16="http://schemas.microsoft.com/office/drawing/2014/main" id="{FC28F3C4-E5C6-4B7B-B972-6E41D7C632AD}"/>
-                  </a:ext>
-                </a:extLst>
-              </p:cNvPr>
-              <p:cNvSpPr/>
-              <p:nvPr/>
-            </p:nvSpPr>
-            <p:spPr>
-              <a:xfrm>
-                <a:off x="6835081" y="1492668"/>
-                <a:ext cx="3046059" cy="1764734"/>
-              </a:xfrm>
-              <a:prstGeom prst="rect">
-                <a:avLst/>
-              </a:prstGeom>
-              <a:solidFill>
-                <a:srgbClr val="777777"/>
-              </a:solidFill>
-              <a:ln>
-                <a:solidFill>
-                  <a:schemeClr val="tx1">
-                    <a:lumMod val="65000"/>
-                    <a:lumOff val="35000"/>
-                  </a:schemeClr>
-                </a:solidFill>
-              </a:ln>
-              <a:effectLst>
-                <a:outerShdw blurRad="50800" dist="38100" dir="2700000" algn="tl" rotWithShape="0">
-                  <a:prstClr val="black">
-                    <a:alpha val="40000"/>
-                  </a:prstClr>
-                </a:outerShdw>
-              </a:effectLst>
-            </p:spPr>
-            <p:style>
-              <a:lnRef idx="2">
-                <a:schemeClr val="accent1">
-                  <a:shade val="50000"/>
-                </a:schemeClr>
-              </a:lnRef>
-              <a:fillRef idx="1">
-                <a:schemeClr val="accent1"/>
-              </a:fillRef>
-              <a:effectRef idx="0">
-                <a:schemeClr val="accent1"/>
-              </a:effectRef>
-              <a:fontRef idx="minor">
-                <a:schemeClr val="lt1"/>
-              </a:fontRef>
-            </p:style>
-            <p:txBody>
-              <a:bodyPr rtlCol="0" anchor="ctr"/>
-              <a:lstStyle/>
-              <a:p>
-                <a:pPr algn="ctr"/>
-                <a:endParaRPr lang="zh-CN" altLang="en-US" sz="3200" dirty="0">
-                  <a:solidFill>
-                    <a:schemeClr val="bg1"/>
-                  </a:solidFill>
-                </a:endParaRPr>
-              </a:p>
-            </p:txBody>
-          </p:sp>
-          <p:sp>
-            <p:nvSpPr>
-              <p:cNvPr id="71" name="文本框 70">
-                <a:extLst>
-                  <a:ext uri="{FF2B5EF4-FFF2-40B4-BE49-F238E27FC236}">
-                    <a16:creationId xmlns:a16="http://schemas.microsoft.com/office/drawing/2014/main" id="{9BAF90D8-3B36-4CB2-BC57-204948108E75}"/>
-                  </a:ext>
-                </a:extLst>
-              </p:cNvPr>
-              <p:cNvSpPr txBox="1"/>
-              <p:nvPr/>
-            </p:nvSpPr>
-            <p:spPr>
-              <a:xfrm>
-                <a:off x="8200855" y="2182872"/>
-                <a:ext cx="314507" cy="525017"/>
-              </a:xfrm>
-              <a:prstGeom prst="rect">
-                <a:avLst/>
-              </a:prstGeom>
-              <a:noFill/>
-            </p:spPr>
-            <p:txBody>
-              <a:bodyPr wrap="square" rtlCol="0">
-                <a:spAutoFit/>
-              </a:bodyPr>
-              <a:lstStyle/>
-              <a:p>
-                <a:endParaRPr lang="zh-CN" altLang="en-US" sz="2800" dirty="0">
-                  <a:solidFill>
-                    <a:schemeClr val="bg1"/>
-                  </a:solidFill>
-                </a:endParaRPr>
-              </a:p>
-            </p:txBody>
-          </p:sp>
-        </p:grpSp>
-        <p:sp>
-          <p:nvSpPr>
-            <p:cNvPr id="67" name="矩形 66">
-              <a:extLst>
-                <a:ext uri="{FF2B5EF4-FFF2-40B4-BE49-F238E27FC236}">
-                  <a16:creationId xmlns:a16="http://schemas.microsoft.com/office/drawing/2014/main" id="{6B0F0F97-11EE-4416-891D-5D38CD3CE8EC}"/>
-                </a:ext>
-              </a:extLst>
-            </p:cNvPr>
-            <p:cNvSpPr/>
-            <p:nvPr/>
-          </p:nvSpPr>
-          <p:spPr>
-            <a:xfrm>
-              <a:off x="5569514" y="1860173"/>
-              <a:ext cx="776654" cy="400708"/>
-            </a:xfrm>
-            <a:prstGeom prst="rect">
-              <a:avLst/>
-            </a:prstGeom>
-            <a:noFill/>
-            <a:ln>
-              <a:solidFill>
-                <a:schemeClr val="bg1">
-                  <a:lumMod val="65000"/>
-                </a:schemeClr>
-              </a:solidFill>
-            </a:ln>
-          </p:spPr>
-          <p:style>
-            <a:lnRef idx="2">
-              <a:schemeClr val="accent1">
-                <a:shade val="50000"/>
-              </a:schemeClr>
-            </a:lnRef>
-            <a:fillRef idx="1">
-              <a:schemeClr val="accent1"/>
-            </a:fillRef>
-            <a:effectRef idx="0">
-              <a:schemeClr val="accent1"/>
-            </a:effectRef>
-            <a:fontRef idx="minor">
-              <a:schemeClr val="lt1"/>
-            </a:fontRef>
-          </p:style>
-          <p:txBody>
-            <a:bodyPr rtlCol="0" anchor="ctr"/>
-            <a:lstStyle/>
-            <a:p>
-              <a:pPr algn="ctr"/>
-              <a:r>
-                <a:rPr lang="en-US" altLang="zh-CN" dirty="0">
-                  <a:solidFill>
-                    <a:schemeClr val="tx1"/>
-                  </a:solidFill>
-                </a:rPr>
-                <a:t>+10</a:t>
-              </a:r>
-              <a:endParaRPr lang="zh-CN" altLang="en-US" dirty="0">
-                <a:solidFill>
-                  <a:schemeClr val="tx1"/>
-                </a:solidFill>
-              </a:endParaRPr>
-            </a:p>
-          </p:txBody>
-        </p:sp>
-      </p:grpSp>
-      <p:grpSp>
-        <p:nvGrpSpPr>
           <p:cNvPr id="62" name="组合 61">
             <a:extLst>
               <a:ext uri="{FF2B5EF4-FFF2-40B4-BE49-F238E27FC236}">
@@ -7547,7 +8257,7 @@
         </p:nvGrpSpPr>
         <p:grpSpPr>
           <a:xfrm>
-            <a:off x="1990619" y="2821012"/>
+            <a:off x="1990619" y="2622226"/>
             <a:ext cx="2546478" cy="1475301"/>
             <a:chOff x="6835081" y="1492668"/>
             <a:chExt cx="3046059" cy="1764734"/>
@@ -7660,291 +8370,6 @@
       </p:grpSp>
       <p:grpSp>
         <p:nvGrpSpPr>
-          <p:cNvPr id="3" name="Group 2"/>
-          <p:cNvGrpSpPr/>
-          <p:nvPr/>
-        </p:nvGrpSpPr>
-        <p:grpSpPr>
-          <a:xfrm>
-            <a:off x="7603619" y="2819672"/>
-            <a:ext cx="2546478" cy="1475301"/>
-            <a:chOff x="7603619" y="2819672"/>
-            <a:chExt cx="2546478" cy="1475301"/>
-          </a:xfrm>
-        </p:grpSpPr>
-        <p:grpSp>
-          <p:nvGrpSpPr>
-            <p:cNvPr id="2" name="Group 1"/>
-            <p:cNvGrpSpPr/>
-            <p:nvPr/>
-          </p:nvGrpSpPr>
-          <p:grpSpPr>
-            <a:xfrm>
-              <a:off x="7603619" y="2819672"/>
-              <a:ext cx="2546478" cy="1475301"/>
-              <a:chOff x="7603619" y="2819672"/>
-              <a:chExt cx="2546478" cy="1475301"/>
-            </a:xfrm>
-          </p:grpSpPr>
-          <p:grpSp>
-            <p:nvGrpSpPr>
-              <p:cNvPr id="54" name="组合 53">
-                <a:extLst>
-                  <a:ext uri="{FF2B5EF4-FFF2-40B4-BE49-F238E27FC236}">
-                    <a16:creationId xmlns:a16="http://schemas.microsoft.com/office/drawing/2014/main" id="{9699C951-39FE-45D3-8614-084A4FA4731E}"/>
-                  </a:ext>
-                </a:extLst>
-              </p:cNvPr>
-              <p:cNvGrpSpPr/>
-              <p:nvPr/>
-            </p:nvGrpSpPr>
-            <p:grpSpPr>
-              <a:xfrm>
-                <a:off x="7603619" y="2819672"/>
-                <a:ext cx="2546478" cy="1475301"/>
-                <a:chOff x="6835081" y="1492668"/>
-                <a:chExt cx="3046059" cy="1764734"/>
-              </a:xfrm>
-            </p:grpSpPr>
-            <p:sp>
-              <p:nvSpPr>
-                <p:cNvPr id="60" name="矩形 59">
-                  <a:extLst>
-                    <a:ext uri="{FF2B5EF4-FFF2-40B4-BE49-F238E27FC236}">
-                      <a16:creationId xmlns:a16="http://schemas.microsoft.com/office/drawing/2014/main" id="{1E773737-473F-4860-BC67-4EE0B0BFBA3F}"/>
-                    </a:ext>
-                  </a:extLst>
-                </p:cNvPr>
-                <p:cNvSpPr/>
-                <p:nvPr/>
-              </p:nvSpPr>
-              <p:spPr>
-                <a:xfrm>
-                  <a:off x="6835081" y="1492668"/>
-                  <a:ext cx="3046059" cy="1764734"/>
-                </a:xfrm>
-                <a:prstGeom prst="rect">
-                  <a:avLst/>
-                </a:prstGeom>
-                <a:solidFill>
-                  <a:srgbClr val="777777"/>
-                </a:solidFill>
-                <a:ln>
-                  <a:solidFill>
-                    <a:schemeClr val="tx1">
-                      <a:lumMod val="65000"/>
-                      <a:lumOff val="35000"/>
-                    </a:schemeClr>
-                  </a:solidFill>
-                </a:ln>
-                <a:effectLst>
-                  <a:outerShdw blurRad="50800" dist="38100" dir="2700000" algn="tl" rotWithShape="0">
-                    <a:prstClr val="black">
-                      <a:alpha val="40000"/>
-                    </a:prstClr>
-                  </a:outerShdw>
-                </a:effectLst>
-              </p:spPr>
-              <p:style>
-                <a:lnRef idx="2">
-                  <a:schemeClr val="accent1">
-                    <a:shade val="50000"/>
-                  </a:schemeClr>
-                </a:lnRef>
-                <a:fillRef idx="1">
-                  <a:schemeClr val="accent1"/>
-                </a:fillRef>
-                <a:effectRef idx="0">
-                  <a:schemeClr val="accent1"/>
-                </a:effectRef>
-                <a:fontRef idx="minor">
-                  <a:schemeClr val="lt1"/>
-                </a:fontRef>
-              </p:style>
-              <p:txBody>
-                <a:bodyPr rtlCol="0" anchor="ctr"/>
-                <a:lstStyle/>
-                <a:p>
-                  <a:pPr algn="ctr"/>
-                  <a:endParaRPr lang="zh-CN" altLang="en-US" sz="3200" dirty="0">
-                    <a:solidFill>
-                      <a:schemeClr val="bg1"/>
-                    </a:solidFill>
-                  </a:endParaRPr>
-                </a:p>
-              </p:txBody>
-            </p:sp>
-            <p:sp>
-              <p:nvSpPr>
-                <p:cNvPr id="61" name="文本框 60">
-                  <a:extLst>
-                    <a:ext uri="{FF2B5EF4-FFF2-40B4-BE49-F238E27FC236}">
-                      <a16:creationId xmlns:a16="http://schemas.microsoft.com/office/drawing/2014/main" id="{945D4D64-9457-4117-A9BB-F997E8CAEF89}"/>
-                    </a:ext>
-                  </a:extLst>
-                </p:cNvPr>
-                <p:cNvSpPr txBox="1"/>
-                <p:nvPr/>
-              </p:nvSpPr>
-              <p:spPr>
-                <a:xfrm>
-                  <a:off x="8200855" y="2182872"/>
-                  <a:ext cx="314507" cy="525017"/>
-                </a:xfrm>
-                <a:prstGeom prst="rect">
-                  <a:avLst/>
-                </a:prstGeom>
-                <a:noFill/>
-              </p:spPr>
-              <p:txBody>
-                <a:bodyPr wrap="square" rtlCol="0">
-                  <a:spAutoFit/>
-                </a:bodyPr>
-                <a:lstStyle/>
-                <a:p>
-                  <a:endParaRPr lang="zh-CN" altLang="en-US" sz="2800" dirty="0">
-                    <a:solidFill>
-                      <a:schemeClr val="bg1"/>
-                    </a:solidFill>
-                  </a:endParaRPr>
-                </a:p>
-              </p:txBody>
-            </p:sp>
-          </p:grpSp>
-          <p:sp>
-            <p:nvSpPr>
-              <p:cNvPr id="56" name="矩形 55">
-                <a:extLst>
-                  <a:ext uri="{FF2B5EF4-FFF2-40B4-BE49-F238E27FC236}">
-                    <a16:creationId xmlns:a16="http://schemas.microsoft.com/office/drawing/2014/main" id="{D6BA67DC-AB9B-4835-8B4F-565DCD95B6A8}"/>
-                  </a:ext>
-                </a:extLst>
-              </p:cNvPr>
-              <p:cNvSpPr/>
-              <p:nvPr/>
-            </p:nvSpPr>
-            <p:spPr>
-              <a:xfrm>
-                <a:off x="8225351" y="3389252"/>
-                <a:ext cx="1368356" cy="336139"/>
-              </a:xfrm>
-              <a:prstGeom prst="rect">
-                <a:avLst/>
-              </a:prstGeom>
-              <a:noFill/>
-              <a:ln>
-                <a:solidFill>
-                  <a:schemeClr val="bg1">
-                    <a:lumMod val="65000"/>
-                  </a:schemeClr>
-                </a:solidFill>
-              </a:ln>
-            </p:spPr>
-            <p:style>
-              <a:lnRef idx="2">
-                <a:schemeClr val="accent1">
-                  <a:shade val="50000"/>
-                </a:schemeClr>
-              </a:lnRef>
-              <a:fillRef idx="1">
-                <a:schemeClr val="accent1"/>
-              </a:fillRef>
-              <a:effectRef idx="0">
-                <a:schemeClr val="accent1"/>
-              </a:effectRef>
-              <a:fontRef idx="minor">
-                <a:schemeClr val="lt1"/>
-              </a:fontRef>
-            </p:style>
-            <p:txBody>
-              <a:bodyPr rtlCol="0" anchor="ctr"/>
-              <a:lstStyle/>
-              <a:p>
-                <a:pPr marL="115888" algn="ctr" defTabSz="798513">
-                  <a:tabLst>
-                    <a:tab pos="744538" algn="l"/>
-                  </a:tabLst>
-                </a:pPr>
-                <a:r>
-                  <a:rPr lang="en-US" altLang="zh-CN" dirty="0">
-                    <a:solidFill>
-                      <a:schemeClr val="tx1"/>
-                    </a:solidFill>
-                  </a:rPr>
-                  <a:t>-</a:t>
-                </a:r>
-                <a:r>
-                  <a:rPr lang="en-US" altLang="zh-CN" dirty="0" smtClean="0">
-                    <a:solidFill>
-                      <a:schemeClr val="tx1"/>
-                    </a:solidFill>
-                  </a:rPr>
-                  <a:t>3	+12</a:t>
-                </a:r>
-                <a:endParaRPr lang="zh-CN" altLang="en-US" dirty="0">
-                  <a:solidFill>
-                    <a:schemeClr val="tx1"/>
-                  </a:solidFill>
-                </a:endParaRPr>
-              </a:p>
-            </p:txBody>
-          </p:sp>
-        </p:grpSp>
-        <p:sp>
-          <p:nvSpPr>
-            <p:cNvPr id="58" name="椭圆 57">
-              <a:extLst>
-                <a:ext uri="{FF2B5EF4-FFF2-40B4-BE49-F238E27FC236}">
-                  <a16:creationId xmlns:a16="http://schemas.microsoft.com/office/drawing/2014/main" id="{373902A1-8B3B-46AB-B8DE-2D4D3E33B5AD}"/>
-                </a:ext>
-              </a:extLst>
-            </p:cNvPr>
-            <p:cNvSpPr/>
-            <p:nvPr/>
-          </p:nvSpPr>
-          <p:spPr>
-            <a:xfrm>
-              <a:off x="8857680" y="3539580"/>
-              <a:ext cx="38352" cy="38352"/>
-            </a:xfrm>
-            <a:prstGeom prst="ellipse">
-              <a:avLst/>
-            </a:prstGeom>
-            <a:solidFill>
-              <a:schemeClr val="tx1"/>
-            </a:solidFill>
-            <a:ln>
-              <a:noFill/>
-            </a:ln>
-          </p:spPr>
-          <p:style>
-            <a:lnRef idx="2">
-              <a:schemeClr val="accent1">
-                <a:shade val="50000"/>
-              </a:schemeClr>
-            </a:lnRef>
-            <a:fillRef idx="1">
-              <a:schemeClr val="accent1"/>
-            </a:fillRef>
-            <a:effectRef idx="0">
-              <a:schemeClr val="accent1"/>
-            </a:effectRef>
-            <a:fontRef idx="minor">
-              <a:schemeClr val="lt1"/>
-            </a:fontRef>
-          </p:style>
-          <p:txBody>
-            <a:bodyPr rtlCol="0" anchor="ctr"/>
-            <a:lstStyle/>
-            <a:p>
-              <a:pPr algn="ctr"/>
-              <a:endParaRPr lang="zh-CN" altLang="en-US"/>
-            </a:p>
-          </p:txBody>
-        </p:sp>
-      </p:grpSp>
-      <p:grpSp>
-        <p:nvGrpSpPr>
           <p:cNvPr id="40" name="组合 39">
             <a:extLst>
               <a:ext uri="{FF2B5EF4-FFF2-40B4-BE49-F238E27FC236}">
@@ -7957,7 +8382,7 @@
         </p:nvGrpSpPr>
         <p:grpSpPr>
           <a:xfrm>
-            <a:off x="4797119" y="2819672"/>
+            <a:off x="4797119" y="2620886"/>
             <a:ext cx="2546478" cy="1475301"/>
             <a:chOff x="4462882" y="3266942"/>
             <a:chExt cx="3035635" cy="1758694"/>
@@ -8155,7 +8580,7 @@
         </p:nvSpPr>
         <p:spPr>
           <a:xfrm rot="10800000">
-            <a:off x="4414218" y="3244876"/>
+            <a:off x="4414218" y="3046090"/>
             <a:ext cx="470330" cy="628559"/>
           </a:xfrm>
           <a:prstGeom prst="rightArrow">
@@ -8209,7 +8634,7 @@
         </p:nvSpPr>
         <p:spPr>
           <a:xfrm>
-            <a:off x="5600232" y="1538134"/>
+            <a:off x="5600232" y="1339348"/>
             <a:ext cx="470330" cy="628559"/>
           </a:xfrm>
           <a:prstGeom prst="rightArrow">
@@ -8263,7 +8688,7 @@
         </p:nvSpPr>
         <p:spPr>
           <a:xfrm rot="5400000">
-            <a:off x="8799294" y="1511841"/>
+            <a:off x="8929775" y="1312740"/>
             <a:ext cx="806627" cy="1153884"/>
           </a:xfrm>
           <a:prstGeom prst="bentArrow">
@@ -8326,7 +8751,7 @@
         </p:nvSpPr>
         <p:spPr>
           <a:xfrm rot="10800000">
-            <a:off x="7226985" y="3225300"/>
+            <a:off x="7226985" y="3026514"/>
             <a:ext cx="470330" cy="628559"/>
           </a:xfrm>
           <a:prstGeom prst="rightArrow">
@@ -8380,7 +8805,7 @@
         </p:nvSpPr>
         <p:spPr>
           <a:xfrm>
-            <a:off x="2198773" y="1377078"/>
+            <a:off x="2198773" y="1178292"/>
             <a:ext cx="806627" cy="1301261"/>
           </a:xfrm>
           <a:prstGeom prst="bentArrow">
@@ -8443,7 +8868,7 @@
         </p:nvSpPr>
         <p:spPr>
           <a:xfrm>
-            <a:off x="2198772" y="1815126"/>
+            <a:off x="2198772" y="1616340"/>
             <a:ext cx="333411" cy="861673"/>
           </a:xfrm>
           <a:prstGeom prst="rect">
@@ -8512,6 +8937,478 @@
           </a:p>
         </p:txBody>
       </p:sp>
+      <p:grpSp>
+        <p:nvGrpSpPr>
+          <p:cNvPr id="39" name="Group 38"/>
+          <p:cNvGrpSpPr/>
+          <p:nvPr/>
+        </p:nvGrpSpPr>
+        <p:grpSpPr>
+          <a:xfrm>
+            <a:off x="6064274" y="895791"/>
+            <a:ext cx="2561391" cy="1483941"/>
+            <a:chOff x="5939051" y="1260789"/>
+            <a:chExt cx="3035635" cy="1758694"/>
+          </a:xfrm>
+        </p:grpSpPr>
+        <p:grpSp>
+          <p:nvGrpSpPr>
+            <p:cNvPr id="46" name="组合 65">
+              <a:extLst>
+                <a:ext uri="{FF2B5EF4-FFF2-40B4-BE49-F238E27FC236}">
+                  <a16:creationId xmlns:a16="http://schemas.microsoft.com/office/drawing/2014/main" id="{00323727-DF03-4A9E-A278-8E08631096A2}"/>
+                </a:ext>
+              </a:extLst>
+            </p:cNvPr>
+            <p:cNvGrpSpPr/>
+            <p:nvPr/>
+          </p:nvGrpSpPr>
+          <p:grpSpPr>
+            <a:xfrm>
+              <a:off x="5939051" y="1260789"/>
+              <a:ext cx="3035635" cy="1758694"/>
+              <a:chOff x="6835081" y="1492668"/>
+              <a:chExt cx="3046059" cy="1764734"/>
+            </a:xfrm>
+          </p:grpSpPr>
+          <p:sp>
+            <p:nvSpPr>
+              <p:cNvPr id="63" name="矩形 68">
+                <a:extLst>
+                  <a:ext uri="{FF2B5EF4-FFF2-40B4-BE49-F238E27FC236}">
+                    <a16:creationId xmlns:a16="http://schemas.microsoft.com/office/drawing/2014/main" id="{FC28F3C4-E5C6-4B7B-B972-6E41D7C632AD}"/>
+                  </a:ext>
+                </a:extLst>
+              </p:cNvPr>
+              <p:cNvSpPr/>
+              <p:nvPr/>
+            </p:nvSpPr>
+            <p:spPr>
+              <a:xfrm>
+                <a:off x="6835081" y="1492668"/>
+                <a:ext cx="3046059" cy="1764734"/>
+              </a:xfrm>
+              <a:prstGeom prst="rect">
+                <a:avLst/>
+              </a:prstGeom>
+              <a:solidFill>
+                <a:srgbClr val="777777"/>
+              </a:solidFill>
+              <a:ln>
+                <a:solidFill>
+                  <a:schemeClr val="tx1">
+                    <a:lumMod val="65000"/>
+                    <a:lumOff val="35000"/>
+                  </a:schemeClr>
+                </a:solidFill>
+              </a:ln>
+              <a:effectLst>
+                <a:outerShdw blurRad="50800" dist="38100" dir="2700000" algn="tl" rotWithShape="0">
+                  <a:prstClr val="black">
+                    <a:alpha val="40000"/>
+                  </a:prstClr>
+                </a:outerShdw>
+              </a:effectLst>
+            </p:spPr>
+            <p:style>
+              <a:lnRef idx="2">
+                <a:schemeClr val="accent1">
+                  <a:shade val="50000"/>
+                </a:schemeClr>
+              </a:lnRef>
+              <a:fillRef idx="1">
+                <a:schemeClr val="accent1"/>
+              </a:fillRef>
+              <a:effectRef idx="0">
+                <a:schemeClr val="accent1"/>
+              </a:effectRef>
+              <a:fontRef idx="minor">
+                <a:schemeClr val="lt1"/>
+              </a:fontRef>
+            </p:style>
+            <p:txBody>
+              <a:bodyPr rtlCol="0" anchor="ctr"/>
+              <a:lstStyle/>
+              <a:p>
+                <a:pPr algn="ctr"/>
+                <a:endParaRPr lang="zh-CN" altLang="en-US" sz="3200" dirty="0">
+                  <a:solidFill>
+                    <a:schemeClr val="bg1"/>
+                  </a:solidFill>
+                </a:endParaRPr>
+              </a:p>
+            </p:txBody>
+          </p:sp>
+          <p:sp>
+            <p:nvSpPr>
+              <p:cNvPr id="68" name="文本框 70">
+                <a:extLst>
+                  <a:ext uri="{FF2B5EF4-FFF2-40B4-BE49-F238E27FC236}">
+                    <a16:creationId xmlns:a16="http://schemas.microsoft.com/office/drawing/2014/main" id="{9BAF90D8-3B36-4CB2-BC57-204948108E75}"/>
+                  </a:ext>
+                </a:extLst>
+              </p:cNvPr>
+              <p:cNvSpPr txBox="1"/>
+              <p:nvPr/>
+            </p:nvSpPr>
+            <p:spPr>
+              <a:xfrm>
+                <a:off x="8200855" y="2182872"/>
+                <a:ext cx="314507" cy="622224"/>
+              </a:xfrm>
+              <a:prstGeom prst="rect">
+                <a:avLst/>
+              </a:prstGeom>
+              <a:noFill/>
+            </p:spPr>
+            <p:txBody>
+              <a:bodyPr wrap="square" rtlCol="0">
+                <a:spAutoFit/>
+              </a:bodyPr>
+              <a:lstStyle/>
+              <a:p>
+                <a:endParaRPr lang="zh-CN" altLang="en-US" sz="2800" dirty="0">
+                  <a:solidFill>
+                    <a:schemeClr val="bg1"/>
+                  </a:solidFill>
+                </a:endParaRPr>
+              </a:p>
+            </p:txBody>
+          </p:sp>
+        </p:grpSp>
+        <p:sp>
+          <p:nvSpPr>
+            <p:cNvPr id="49" name="矩形 66">
+              <a:extLst>
+                <a:ext uri="{FF2B5EF4-FFF2-40B4-BE49-F238E27FC236}">
+                  <a16:creationId xmlns:a16="http://schemas.microsoft.com/office/drawing/2014/main" id="{6B0F0F97-11EE-4416-891D-5D38CD3CE8EC}"/>
+                </a:ext>
+              </a:extLst>
+            </p:cNvPr>
+            <p:cNvSpPr/>
+            <p:nvPr/>
+          </p:nvSpPr>
+          <p:spPr>
+            <a:xfrm>
+              <a:off x="7068539" y="1624482"/>
+              <a:ext cx="776654" cy="400708"/>
+            </a:xfrm>
+            <a:prstGeom prst="rect">
+              <a:avLst/>
+            </a:prstGeom>
+            <a:noFill/>
+            <a:ln>
+              <a:solidFill>
+                <a:schemeClr val="bg1">
+                  <a:lumMod val="65000"/>
+                </a:schemeClr>
+              </a:solidFill>
+            </a:ln>
+          </p:spPr>
+          <p:style>
+            <a:lnRef idx="2">
+              <a:schemeClr val="accent1">
+                <a:shade val="50000"/>
+              </a:schemeClr>
+            </a:lnRef>
+            <a:fillRef idx="1">
+              <a:schemeClr val="accent1"/>
+            </a:fillRef>
+            <a:effectRef idx="0">
+              <a:schemeClr val="accent1"/>
+            </a:effectRef>
+            <a:fontRef idx="minor">
+              <a:schemeClr val="lt1"/>
+            </a:fontRef>
+          </p:style>
+          <p:txBody>
+            <a:bodyPr rtlCol="0" anchor="ctr"/>
+            <a:lstStyle/>
+            <a:p>
+              <a:pPr algn="ctr"/>
+              <a:r>
+                <a:rPr lang="en-US" altLang="zh-CN" dirty="0">
+                  <a:solidFill>
+                    <a:schemeClr val="tx1"/>
+                  </a:solidFill>
+                </a:rPr>
+                <a:t>+10</a:t>
+              </a:r>
+              <a:endParaRPr lang="zh-CN" altLang="en-US" dirty="0">
+                <a:solidFill>
+                  <a:schemeClr val="tx1"/>
+                </a:solidFill>
+              </a:endParaRPr>
+            </a:p>
+          </p:txBody>
+        </p:sp>
+        <p:sp>
+          <p:nvSpPr>
+            <p:cNvPr id="55" name="矩形 55">
+              <a:extLst>
+                <a:ext uri="{FF2B5EF4-FFF2-40B4-BE49-F238E27FC236}">
+                  <a16:creationId xmlns:a16="http://schemas.microsoft.com/office/drawing/2014/main" id="{D6BA67DC-AB9B-4835-8B4F-565DCD95B6A8}"/>
+                </a:ext>
+              </a:extLst>
+            </p:cNvPr>
+            <p:cNvSpPr/>
+            <p:nvPr/>
+          </p:nvSpPr>
+          <p:spPr>
+            <a:xfrm>
+              <a:off x="6819402" y="2241497"/>
+              <a:ext cx="1280250" cy="400708"/>
+            </a:xfrm>
+            <a:prstGeom prst="rect">
+              <a:avLst/>
+            </a:prstGeom>
+            <a:noFill/>
+            <a:ln>
+              <a:solidFill>
+                <a:schemeClr val="bg1">
+                  <a:lumMod val="65000"/>
+                </a:schemeClr>
+              </a:solidFill>
+            </a:ln>
+          </p:spPr>
+          <p:style>
+            <a:lnRef idx="2">
+              <a:schemeClr val="accent1">
+                <a:shade val="50000"/>
+              </a:schemeClr>
+            </a:lnRef>
+            <a:fillRef idx="1">
+              <a:schemeClr val="accent1"/>
+            </a:fillRef>
+            <a:effectRef idx="0">
+              <a:schemeClr val="accent1"/>
+            </a:effectRef>
+            <a:fontRef idx="minor">
+              <a:schemeClr val="lt1"/>
+            </a:fontRef>
+          </p:style>
+          <p:txBody>
+            <a:bodyPr rtlCol="0" anchor="ctr"/>
+            <a:lstStyle/>
+            <a:p>
+              <a:pPr marL="115888" algn="ctr" defTabSz="798513">
+                <a:tabLst>
+                  <a:tab pos="744538" algn="l"/>
+                </a:tabLst>
+              </a:pPr>
+              <a:r>
+                <a:rPr lang="en-US" altLang="zh-CN" dirty="0" smtClean="0">
+                  <a:solidFill>
+                    <a:schemeClr val="tx1"/>
+                  </a:solidFill>
+                </a:rPr>
+                <a:t>-</a:t>
+              </a:r>
+              <a:r>
+                <a:rPr lang="en-US" altLang="zh-CN" dirty="0" smtClean="0">
+                  <a:solidFill>
+                    <a:schemeClr val="tx1"/>
+                  </a:solidFill>
+                </a:rPr>
+                <a:t>3    </a:t>
+              </a:r>
+              <a:r>
+                <a:rPr lang="en-US" altLang="zh-CN" dirty="0" smtClean="0">
+                  <a:solidFill>
+                    <a:schemeClr val="tx1"/>
+                  </a:solidFill>
+                </a:rPr>
+                <a:t>+12</a:t>
+              </a:r>
+              <a:endParaRPr lang="zh-CN" altLang="en-US" dirty="0">
+                <a:solidFill>
+                  <a:schemeClr val="tx1"/>
+                </a:solidFill>
+              </a:endParaRPr>
+            </a:p>
+          </p:txBody>
+        </p:sp>
+        <p:sp>
+          <p:nvSpPr>
+            <p:cNvPr id="57" name="椭圆 57">
+              <a:extLst>
+                <a:ext uri="{FF2B5EF4-FFF2-40B4-BE49-F238E27FC236}">
+                  <a16:creationId xmlns:a16="http://schemas.microsoft.com/office/drawing/2014/main" id="{373902A1-8B3B-46AB-B8DE-2D4D3E33B5AD}"/>
+                </a:ext>
+              </a:extLst>
+            </p:cNvPr>
+            <p:cNvSpPr/>
+            <p:nvPr/>
+          </p:nvSpPr>
+          <p:spPr>
+            <a:xfrm>
+              <a:off x="7436429" y="2120915"/>
+              <a:ext cx="45719" cy="45719"/>
+            </a:xfrm>
+            <a:prstGeom prst="ellipse">
+              <a:avLst/>
+            </a:prstGeom>
+            <a:solidFill>
+              <a:schemeClr val="tx1"/>
+            </a:solidFill>
+            <a:ln>
+              <a:noFill/>
+            </a:ln>
+          </p:spPr>
+          <p:style>
+            <a:lnRef idx="2">
+              <a:schemeClr val="accent1">
+                <a:shade val="50000"/>
+              </a:schemeClr>
+            </a:lnRef>
+            <a:fillRef idx="1">
+              <a:schemeClr val="accent1"/>
+            </a:fillRef>
+            <a:effectRef idx="0">
+              <a:schemeClr val="accent1"/>
+            </a:effectRef>
+            <a:fontRef idx="minor">
+              <a:schemeClr val="lt1"/>
+            </a:fontRef>
+          </p:style>
+          <p:txBody>
+            <a:bodyPr rtlCol="0" anchor="ctr"/>
+            <a:lstStyle/>
+            <a:p>
+              <a:pPr algn="ctr"/>
+              <a:endParaRPr lang="zh-CN" altLang="en-US"/>
+            </a:p>
+          </p:txBody>
+        </p:sp>
+      </p:grpSp>
+      <p:grpSp>
+        <p:nvGrpSpPr>
+          <p:cNvPr id="82" name="Group 81"/>
+          <p:cNvGrpSpPr/>
+          <p:nvPr/>
+        </p:nvGrpSpPr>
+        <p:grpSpPr>
+          <a:xfrm rot="16369366">
+            <a:off x="8059399" y="532359"/>
+            <a:ext cx="957515" cy="842391"/>
+            <a:chOff x="9096103" y="2971052"/>
+            <a:chExt cx="1719748" cy="1512981"/>
+          </a:xfrm>
+        </p:grpSpPr>
+        <p:sp>
+          <p:nvSpPr>
+            <p:cNvPr id="83" name="Block Arc 82"/>
+            <p:cNvSpPr/>
+            <p:nvPr/>
+          </p:nvSpPr>
+          <p:spPr>
+            <a:xfrm>
+              <a:off x="9302871" y="2971052"/>
+              <a:ext cx="1512980" cy="1512981"/>
+            </a:xfrm>
+            <a:prstGeom prst="blockArc">
+              <a:avLst>
+                <a:gd name="adj1" fmla="val 16023305"/>
+                <a:gd name="adj2" fmla="val 10799995"/>
+                <a:gd name="adj3" fmla="val 27701"/>
+              </a:avLst>
+            </a:prstGeom>
+            <a:solidFill>
+              <a:schemeClr val="bg1">
+                <a:lumMod val="75000"/>
+              </a:schemeClr>
+            </a:solidFill>
+            <a:ln>
+              <a:noFill/>
+            </a:ln>
+          </p:spPr>
+          <p:style>
+            <a:lnRef idx="2">
+              <a:schemeClr val="accent1">
+                <a:shade val="50000"/>
+              </a:schemeClr>
+            </a:lnRef>
+            <a:fillRef idx="1">
+              <a:schemeClr val="accent1"/>
+            </a:fillRef>
+            <a:effectRef idx="0">
+              <a:schemeClr val="accent1"/>
+            </a:effectRef>
+            <a:fontRef idx="minor">
+              <a:schemeClr val="lt1"/>
+            </a:fontRef>
+          </p:style>
+          <p:txBody>
+            <a:bodyPr rtlCol="0" anchor="ctr"/>
+            <a:lstStyle/>
+            <a:p>
+              <a:pPr algn="ctr"/>
+              <a:endParaRPr lang="zh-CN" altLang="en-US">
+                <a:solidFill>
+                  <a:schemeClr val="tx1"/>
+                </a:solidFill>
+              </a:endParaRPr>
+            </a:p>
+          </p:txBody>
+        </p:sp>
+        <p:sp>
+          <p:nvSpPr>
+            <p:cNvPr id="84" name="箭头: 右 97">
+              <a:extLst>
+                <a:ext uri="{FF2B5EF4-FFF2-40B4-BE49-F238E27FC236}">
+                  <a16:creationId xmlns:a16="http://schemas.microsoft.com/office/drawing/2014/main" id="{7C99D34E-576B-468B-9600-DC0EA71C989B}"/>
+                </a:ext>
+              </a:extLst>
+            </p:cNvPr>
+            <p:cNvSpPr/>
+            <p:nvPr/>
+          </p:nvSpPr>
+          <p:spPr>
+            <a:xfrm rot="16200000">
+              <a:off x="9306138" y="3260683"/>
+              <a:ext cx="422959" cy="843029"/>
+            </a:xfrm>
+            <a:prstGeom prst="rightArrow">
+              <a:avLst>
+                <a:gd name="adj1" fmla="val 50000"/>
+                <a:gd name="adj2" fmla="val 68800"/>
+              </a:avLst>
+            </a:prstGeom>
+            <a:solidFill>
+              <a:schemeClr val="bg1">
+                <a:lumMod val="75000"/>
+              </a:schemeClr>
+            </a:solidFill>
+            <a:ln>
+              <a:noFill/>
+            </a:ln>
+          </p:spPr>
+          <p:style>
+            <a:lnRef idx="2">
+              <a:schemeClr val="accent1">
+                <a:shade val="50000"/>
+              </a:schemeClr>
+            </a:lnRef>
+            <a:fillRef idx="1">
+              <a:schemeClr val="accent1"/>
+            </a:fillRef>
+            <a:effectRef idx="0">
+              <a:schemeClr val="accent1"/>
+            </a:effectRef>
+            <a:fontRef idx="minor">
+              <a:schemeClr val="lt1"/>
+            </a:fontRef>
+          </p:style>
+          <p:txBody>
+            <a:bodyPr rtlCol="0" anchor="ctr"/>
+            <a:lstStyle/>
+            <a:p>
+              <a:pPr algn="ctr"/>
+              <a:endParaRPr lang="zh-CN" altLang="en-US"/>
+            </a:p>
+          </p:txBody>
+        </p:sp>
+      </p:grpSp>
     </p:spTree>
     <p:extLst>
       <p:ext uri="{BB962C8B-B14F-4D97-AF65-F5344CB8AC3E}">

--- a/exp/instruction/instruction.pptx
+++ b/exp/instruction/instruction.pptx
@@ -5,7 +5,7 @@
     <p:sldMasterId id="2147483696" r:id="rId1"/>
   </p:sldMasterIdLst>
   <p:notesMasterIdLst>
-    <p:notesMasterId r:id="rId13"/>
+    <p:notesMasterId r:id="rId14"/>
   </p:notesMasterIdLst>
   <p:sldIdLst>
     <p:sldId id="256" r:id="rId2"/>
@@ -19,6 +19,7 @@
     <p:sldId id="270" r:id="rId10"/>
     <p:sldId id="271" r:id="rId11"/>
     <p:sldId id="272" r:id="rId12"/>
+    <p:sldId id="279" r:id="rId13"/>
   </p:sldIdLst>
   <p:sldSz cx="12509500" cy="7037388"/>
   <p:notesSz cx="6858000" cy="9144000"/>
@@ -133,6 +134,7 @@
             <p14:sldId id="270"/>
             <p14:sldId id="271"/>
             <p14:sldId id="272"/>
+            <p14:sldId id="279"/>
           </p14:sldIdLst>
         </p14:section>
       </p14:sectionLst>
@@ -237,7 +239,7 @@
           <a:p>
             <a:fld id="{2C496578-4F2C-4688-9243-EBFE8E25C03A}" type="datetimeFigureOut">
               <a:rPr lang="zh-CN" altLang="en-US" smtClean="0"/>
-              <a:t>2018/10/5</a:t>
+              <a:t>2018/10/9</a:t>
             </a:fld>
             <a:endParaRPr lang="zh-CN" altLang="en-US"/>
           </a:p>
@@ -902,7 +904,7 @@
           <a:p>
             <a:fld id="{E02BEBD4-C5DA-43A4-AF93-7C9EEB60B9E0}" type="datetimeFigureOut">
               <a:rPr lang="zh-CN" altLang="en-US" smtClean="0"/>
-              <a:t>2018/10/5</a:t>
+              <a:t>2018/10/9</a:t>
             </a:fld>
             <a:endParaRPr lang="zh-CN" altLang="en-US"/>
           </a:p>
@@ -1072,7 +1074,7 @@
           <a:p>
             <a:fld id="{E02BEBD4-C5DA-43A4-AF93-7C9EEB60B9E0}" type="datetimeFigureOut">
               <a:rPr lang="zh-CN" altLang="en-US" smtClean="0"/>
-              <a:t>2018/10/5</a:t>
+              <a:t>2018/10/9</a:t>
             </a:fld>
             <a:endParaRPr lang="zh-CN" altLang="en-US"/>
           </a:p>
@@ -1252,7 +1254,7 @@
           <a:p>
             <a:fld id="{E02BEBD4-C5DA-43A4-AF93-7C9EEB60B9E0}" type="datetimeFigureOut">
               <a:rPr lang="zh-CN" altLang="en-US" smtClean="0"/>
-              <a:t>2018/10/5</a:t>
+              <a:t>2018/10/9</a:t>
             </a:fld>
             <a:endParaRPr lang="zh-CN" altLang="en-US"/>
           </a:p>
@@ -1422,7 +1424,7 @@
           <a:p>
             <a:fld id="{E02BEBD4-C5DA-43A4-AF93-7C9EEB60B9E0}" type="datetimeFigureOut">
               <a:rPr lang="zh-CN" altLang="en-US" smtClean="0"/>
-              <a:t>2018/10/5</a:t>
+              <a:t>2018/10/9</a:t>
             </a:fld>
             <a:endParaRPr lang="zh-CN" altLang="en-US"/>
           </a:p>
@@ -1668,7 +1670,7 @@
           <a:p>
             <a:fld id="{E02BEBD4-C5DA-43A4-AF93-7C9EEB60B9E0}" type="datetimeFigureOut">
               <a:rPr lang="zh-CN" altLang="en-US" smtClean="0"/>
-              <a:t>2018/10/5</a:t>
+              <a:t>2018/10/9</a:t>
             </a:fld>
             <a:endParaRPr lang="zh-CN" altLang="en-US"/>
           </a:p>
@@ -1900,7 +1902,7 @@
           <a:p>
             <a:fld id="{E02BEBD4-C5DA-43A4-AF93-7C9EEB60B9E0}" type="datetimeFigureOut">
               <a:rPr lang="zh-CN" altLang="en-US" smtClean="0"/>
-              <a:t>2018/10/5</a:t>
+              <a:t>2018/10/9</a:t>
             </a:fld>
             <a:endParaRPr lang="zh-CN" altLang="en-US"/>
           </a:p>
@@ -2267,7 +2269,7 @@
           <a:p>
             <a:fld id="{E02BEBD4-C5DA-43A4-AF93-7C9EEB60B9E0}" type="datetimeFigureOut">
               <a:rPr lang="zh-CN" altLang="en-US" smtClean="0"/>
-              <a:t>2018/10/5</a:t>
+              <a:t>2018/10/9</a:t>
             </a:fld>
             <a:endParaRPr lang="zh-CN" altLang="en-US"/>
           </a:p>
@@ -2385,7 +2387,7 @@
           <a:p>
             <a:fld id="{E02BEBD4-C5DA-43A4-AF93-7C9EEB60B9E0}" type="datetimeFigureOut">
               <a:rPr lang="zh-CN" altLang="en-US" smtClean="0"/>
-              <a:t>2018/10/5</a:t>
+              <a:t>2018/10/9</a:t>
             </a:fld>
             <a:endParaRPr lang="zh-CN" altLang="en-US"/>
           </a:p>
@@ -2480,7 +2482,7 @@
           <a:p>
             <a:fld id="{E02BEBD4-C5DA-43A4-AF93-7C9EEB60B9E0}" type="datetimeFigureOut">
               <a:rPr lang="zh-CN" altLang="en-US" smtClean="0"/>
-              <a:t>2018/10/5</a:t>
+              <a:t>2018/10/9</a:t>
             </a:fld>
             <a:endParaRPr lang="zh-CN" altLang="en-US"/>
           </a:p>
@@ -2757,7 +2759,7 @@
           <a:p>
             <a:fld id="{E02BEBD4-C5DA-43A4-AF93-7C9EEB60B9E0}" type="datetimeFigureOut">
               <a:rPr lang="zh-CN" altLang="en-US" smtClean="0"/>
-              <a:t>2018/10/5</a:t>
+              <a:t>2018/10/9</a:t>
             </a:fld>
             <a:endParaRPr lang="zh-CN" altLang="en-US"/>
           </a:p>
@@ -3014,7 +3016,7 @@
           <a:p>
             <a:fld id="{E02BEBD4-C5DA-43A4-AF93-7C9EEB60B9E0}" type="datetimeFigureOut">
               <a:rPr lang="zh-CN" altLang="en-US" smtClean="0"/>
-              <a:t>2018/10/5</a:t>
+              <a:t>2018/10/9</a:t>
             </a:fld>
             <a:endParaRPr lang="zh-CN" altLang="en-US"/>
           </a:p>
@@ -3230,7 +3232,7 @@
           <a:p>
             <a:fld id="{E02BEBD4-C5DA-43A4-AF93-7C9EEB60B9E0}" type="datetimeFigureOut">
               <a:rPr lang="zh-CN" altLang="en-US" smtClean="0"/>
-              <a:t>2018/10/5</a:t>
+              <a:t>2018/10/9</a:t>
             </a:fld>
             <a:endParaRPr lang="zh-CN" altLang="en-US"/>
           </a:p>
@@ -4020,6 +4022,382 @@
 </p:sld>
 </file>
 
+<file path=ppt/slides/slide12.xml><?xml version="1.0" encoding="utf-8"?>
+<p:sld xmlns:a="http://schemas.openxmlformats.org/drawingml/2006/main" xmlns:r="http://schemas.openxmlformats.org/officeDocument/2006/relationships" xmlns:p="http://schemas.openxmlformats.org/presentationml/2006/main">
+  <p:cSld>
+    <p:spTree>
+      <p:nvGrpSpPr>
+        <p:cNvPr id="1" name=""/>
+        <p:cNvGrpSpPr/>
+        <p:nvPr/>
+      </p:nvGrpSpPr>
+      <p:grpSpPr>
+        <a:xfrm>
+          <a:off x="0" y="0"/>
+          <a:ext cx="0" cy="0"/>
+          <a:chOff x="0" y="0"/>
+          <a:chExt cx="0" cy="0"/>
+        </a:xfrm>
+      </p:grpSpPr>
+      <p:sp>
+        <p:nvSpPr>
+          <p:cNvPr id="2" name="标题 1">
+            <a:extLst>
+              <a:ext uri="{FF2B5EF4-FFF2-40B4-BE49-F238E27FC236}">
+                <a16:creationId xmlns:a16="http://schemas.microsoft.com/office/drawing/2014/main" id="{30670B60-5511-4D35-BA89-DCFBD6256456}"/>
+              </a:ext>
+            </a:extLst>
+          </p:cNvPr>
+          <p:cNvSpPr txBox="1">
+            <a:spLocks/>
+          </p:cNvSpPr>
+          <p:nvPr/>
+        </p:nvSpPr>
+        <p:spPr>
+          <a:xfrm>
+            <a:off x="1361476" y="539120"/>
+            <a:ext cx="9559566" cy="5775415"/>
+          </a:xfrm>
+          <a:prstGeom prst="rect">
+            <a:avLst/>
+          </a:prstGeom>
+        </p:spPr>
+        <p:txBody>
+          <a:bodyPr vert="horz" lIns="91440" tIns="45720" rIns="91440" bIns="45720" rtlCol="0" anchor="ctr">
+            <a:normAutofit/>
+          </a:bodyPr>
+          <a:lstStyle>
+            <a:lvl1pPr algn="l" defTabSz="938174" rtl="0" eaLnBrk="1" latinLnBrk="0" hangingPunct="1">
+              <a:lnSpc>
+                <a:spcPct val="90000"/>
+              </a:lnSpc>
+              <a:spcBef>
+                <a:spcPct val="0"/>
+              </a:spcBef>
+              <a:buNone/>
+              <a:defRPr sz="4514" kern="1200">
+                <a:solidFill>
+                  <a:schemeClr val="tx1"/>
+                </a:solidFill>
+                <a:latin typeface="+mj-lt"/>
+                <a:ea typeface="+mj-ea"/>
+                <a:cs typeface="+mj-cs"/>
+              </a:defRPr>
+            </a:lvl1pPr>
+          </a:lstStyle>
+          <a:p>
+            <a:r>
+              <a:rPr lang="zh-CN" altLang="en-US" sz="4800" dirty="0" smtClean="0">
+                <a:solidFill>
+                  <a:schemeClr val="bg1"/>
+                </a:solidFill>
+              </a:rPr>
+              <a:t>被试费结算：</a:t>
+            </a:r>
+            <a:r>
+              <a:rPr lang="en-US" altLang="zh-CN" sz="4800" dirty="0" smtClean="0">
+                <a:solidFill>
+                  <a:schemeClr val="bg1"/>
+                </a:solidFill>
+              </a:rPr>
+              <a:t/>
+            </a:r>
+            <a:br>
+              <a:rPr lang="en-US" altLang="zh-CN" sz="4800" dirty="0" smtClean="0">
+                <a:solidFill>
+                  <a:schemeClr val="bg1"/>
+                </a:solidFill>
+              </a:rPr>
+            </a:br>
+            <a:r>
+              <a:rPr lang="en-US" altLang="zh-CN" sz="2800" dirty="0" smtClean="0">
+                <a:solidFill>
+                  <a:schemeClr val="bg1"/>
+                </a:solidFill>
+              </a:rPr>
+              <a:t/>
+            </a:r>
+            <a:br>
+              <a:rPr lang="en-US" altLang="zh-CN" sz="2800" dirty="0" smtClean="0">
+                <a:solidFill>
+                  <a:schemeClr val="bg1"/>
+                </a:solidFill>
+              </a:rPr>
+            </a:br>
+            <a:endParaRPr lang="en-US" altLang="zh-CN" sz="2800" dirty="0" smtClean="0">
+              <a:solidFill>
+                <a:schemeClr val="bg1"/>
+              </a:solidFill>
+            </a:endParaRPr>
+          </a:p>
+          <a:p>
+            <a:r>
+              <a:rPr lang="zh-CN" altLang="en-US" sz="2800" dirty="0" smtClean="0">
+                <a:solidFill>
+                  <a:schemeClr val="bg1"/>
+                </a:solidFill>
+              </a:rPr>
+              <a:t>基础被试费：</a:t>
+            </a:r>
+            <a:r>
+              <a:rPr lang="en-US" altLang="zh-CN" sz="2800" dirty="0" smtClean="0">
+                <a:solidFill>
+                  <a:schemeClr val="bg1"/>
+                </a:solidFill>
+              </a:rPr>
+              <a:t>	+70</a:t>
+            </a:r>
+            <a:r>
+              <a:rPr lang="zh-CN" altLang="en-US" sz="2800" dirty="0" smtClean="0">
+                <a:solidFill>
+                  <a:schemeClr val="bg1"/>
+                </a:solidFill>
+              </a:rPr>
+              <a:t>元</a:t>
+            </a:r>
+            <a:endParaRPr lang="en-US" altLang="zh-CN" sz="2800" dirty="0" smtClean="0">
+              <a:solidFill>
+                <a:schemeClr val="bg1"/>
+              </a:solidFill>
+            </a:endParaRPr>
+          </a:p>
+          <a:p>
+            <a:endParaRPr lang="en-US" altLang="zh-CN" sz="2800" dirty="0">
+              <a:solidFill>
+                <a:schemeClr val="bg1"/>
+              </a:solidFill>
+            </a:endParaRPr>
+          </a:p>
+          <a:p>
+            <a:r>
+              <a:rPr lang="zh-CN" altLang="en-US" sz="2800" dirty="0" smtClean="0">
+                <a:solidFill>
+                  <a:schemeClr val="bg1"/>
+                </a:solidFill>
+              </a:rPr>
+              <a:t>你的无效试次：</a:t>
+            </a:r>
+            <a:r>
+              <a:rPr lang="en-US" altLang="zh-CN" sz="2800" dirty="0" smtClean="0">
+                <a:solidFill>
+                  <a:schemeClr val="bg1"/>
+                </a:solidFill>
+              </a:rPr>
+              <a:t>	-1</a:t>
+            </a:r>
+            <a:r>
+              <a:rPr lang="zh-CN" altLang="en-US" sz="2800" dirty="0" smtClean="0">
+                <a:solidFill>
+                  <a:schemeClr val="bg1"/>
+                </a:solidFill>
+              </a:rPr>
+              <a:t>元</a:t>
+            </a:r>
+            <a:r>
+              <a:rPr lang="en-US" altLang="zh-CN" sz="2800" dirty="0" smtClean="0">
+                <a:solidFill>
+                  <a:schemeClr val="bg1"/>
+                </a:solidFill>
+              </a:rPr>
+              <a:t>×		</a:t>
+            </a:r>
+            <a:r>
+              <a:rPr lang="zh-CN" altLang="en-US" sz="2800" dirty="0" smtClean="0">
+                <a:solidFill>
+                  <a:schemeClr val="bg1"/>
+                </a:solidFill>
+              </a:rPr>
+              <a:t>次</a:t>
+            </a:r>
+            <a:endParaRPr lang="en-US" altLang="zh-CN" sz="2800" dirty="0" smtClean="0">
+              <a:solidFill>
+                <a:schemeClr val="bg1"/>
+              </a:solidFill>
+            </a:endParaRPr>
+          </a:p>
+          <a:p>
+            <a:endParaRPr lang="en-US" altLang="zh-CN" sz="2800" dirty="0">
+              <a:solidFill>
+                <a:schemeClr val="bg1"/>
+              </a:solidFill>
+            </a:endParaRPr>
+          </a:p>
+          <a:p>
+            <a:r>
+              <a:rPr lang="zh-CN" altLang="en-US" sz="2800" dirty="0">
+                <a:solidFill>
+                  <a:schemeClr val="bg1"/>
+                </a:solidFill>
+              </a:rPr>
+              <a:t>抽到</a:t>
+            </a:r>
+            <a:r>
+              <a:rPr lang="zh-CN" altLang="en-US" sz="2800" dirty="0" smtClean="0">
+                <a:solidFill>
+                  <a:schemeClr val="bg1"/>
+                </a:solidFill>
+              </a:rPr>
+              <a:t>的试次编号：</a:t>
+            </a:r>
+            <a:r>
+              <a:rPr lang="en-US" altLang="zh-CN" sz="2800" dirty="0" smtClean="0">
+                <a:solidFill>
+                  <a:schemeClr val="bg1"/>
+                </a:solidFill>
+              </a:rPr>
+              <a:t>	(</a:t>
+            </a:r>
+            <a:r>
+              <a:rPr lang="zh-CN" altLang="en-US" sz="2800" dirty="0" smtClean="0">
+                <a:solidFill>
+                  <a:schemeClr val="bg1"/>
+                </a:solidFill>
+              </a:rPr>
+              <a:t>按</a:t>
+            </a:r>
+            <a:r>
+              <a:rPr lang="en-US" altLang="zh-CN" sz="2800" dirty="0">
+                <a:solidFill>
+                  <a:schemeClr val="bg1"/>
+                </a:solidFill>
+              </a:rPr>
+              <a:t>S</a:t>
+            </a:r>
+            <a:r>
+              <a:rPr lang="zh-CN" altLang="en-US" sz="2800" dirty="0" smtClean="0">
+                <a:solidFill>
+                  <a:schemeClr val="bg1"/>
+                </a:solidFill>
+              </a:rPr>
+              <a:t>键停止</a:t>
+            </a:r>
+            <a:r>
+              <a:rPr lang="en-US" altLang="zh-CN" sz="2800" dirty="0" smtClean="0">
+                <a:solidFill>
+                  <a:schemeClr val="bg1"/>
+                </a:solidFill>
+              </a:rPr>
+              <a:t>)</a:t>
+            </a:r>
+          </a:p>
+          <a:p>
+            <a:endParaRPr lang="en-US" altLang="zh-CN" sz="2800" dirty="0">
+              <a:solidFill>
+                <a:schemeClr val="bg1"/>
+              </a:solidFill>
+            </a:endParaRPr>
+          </a:p>
+          <a:p>
+            <a:pPr defTabSz="914400"/>
+            <a:r>
+              <a:rPr lang="en-US" altLang="zh-CN" sz="2800" dirty="0">
+                <a:solidFill>
+                  <a:schemeClr val="bg1"/>
+                </a:solidFill>
+              </a:rPr>
+              <a:t>	</a:t>
+            </a:r>
+            <a:r>
+              <a:rPr lang="zh-CN" altLang="en-US" sz="2800" dirty="0" smtClean="0">
+                <a:solidFill>
+                  <a:schemeClr val="bg1"/>
+                </a:solidFill>
+              </a:rPr>
+              <a:t>该试次，你在</a:t>
+            </a:r>
+            <a:r>
+              <a:rPr lang="en-US" altLang="zh-CN" sz="2800" dirty="0" smtClean="0">
+                <a:solidFill>
+                  <a:schemeClr val="bg1"/>
+                </a:solidFill>
+              </a:rPr>
+              <a:t>		</a:t>
+            </a:r>
+            <a:r>
+              <a:rPr lang="zh-CN" altLang="en-US" sz="2800" dirty="0" smtClean="0">
+                <a:solidFill>
+                  <a:schemeClr val="bg1"/>
+                </a:solidFill>
+              </a:rPr>
+              <a:t>与</a:t>
+            </a:r>
+            <a:r>
+              <a:rPr lang="en-US" altLang="zh-CN" sz="2800" dirty="0" smtClean="0">
+                <a:solidFill>
+                  <a:schemeClr val="bg1"/>
+                </a:solidFill>
+              </a:rPr>
+              <a:t>		</a:t>
+            </a:r>
+            <a:r>
+              <a:rPr lang="zh-CN" altLang="en-US" sz="2800" dirty="0" smtClean="0">
+                <a:solidFill>
+                  <a:schemeClr val="bg1"/>
+                </a:solidFill>
+              </a:rPr>
+              <a:t>中选择，</a:t>
+            </a:r>
+            <a:endParaRPr lang="en-US" altLang="zh-CN" sz="2800" dirty="0" smtClean="0">
+              <a:solidFill>
+                <a:schemeClr val="bg1"/>
+              </a:solidFill>
+            </a:endParaRPr>
+          </a:p>
+          <a:p>
+            <a:pPr defTabSz="914400"/>
+            <a:r>
+              <a:rPr lang="en-US" altLang="zh-CN" sz="2800" dirty="0">
+                <a:solidFill>
+                  <a:schemeClr val="bg1"/>
+                </a:solidFill>
+              </a:rPr>
+              <a:t>	</a:t>
+            </a:r>
+            <a:r>
+              <a:rPr lang="zh-CN" altLang="en-US" sz="2800" dirty="0" smtClean="0">
+                <a:solidFill>
+                  <a:schemeClr val="bg1"/>
+                </a:solidFill>
+              </a:rPr>
+              <a:t>你选择了</a:t>
+            </a:r>
+            <a:r>
+              <a:rPr lang="en-US" altLang="zh-CN" sz="2800" dirty="0" smtClean="0">
+                <a:solidFill>
+                  <a:schemeClr val="bg1"/>
+                </a:solidFill>
+              </a:rPr>
+              <a:t>			</a:t>
+            </a:r>
+            <a:r>
+              <a:rPr lang="zh-CN" altLang="en-US" sz="2800" dirty="0" smtClean="0">
+                <a:solidFill>
+                  <a:schemeClr val="bg1"/>
+                </a:solidFill>
+              </a:rPr>
+              <a:t>。</a:t>
+            </a:r>
+            <a:endParaRPr lang="en-US" altLang="zh-CN" sz="2800" dirty="0" smtClean="0">
+              <a:solidFill>
+                <a:schemeClr val="bg1"/>
+              </a:solidFill>
+            </a:endParaRPr>
+          </a:p>
+        </p:txBody>
+      </p:sp>
+    </p:spTree>
+    <p:extLst>
+      <p:ext uri="{BB962C8B-B14F-4D97-AF65-F5344CB8AC3E}">
+        <p14:creationId xmlns:p14="http://schemas.microsoft.com/office/powerpoint/2010/main" val="1822635629"/>
+      </p:ext>
+    </p:extLst>
+  </p:cSld>
+  <p:clrMapOvr>
+    <a:masterClrMapping/>
+  </p:clrMapOvr>
+</p:sld>
+</file>
+
 <file path=ppt/slides/slide2.xml><?xml version="1.0" encoding="utf-8"?>
 <p:sld xmlns:a="http://schemas.openxmlformats.org/drawingml/2006/main" xmlns:r="http://schemas.openxmlformats.org/officeDocument/2006/relationships" xmlns:p="http://schemas.openxmlformats.org/presentationml/2006/main">
   <p:cSld>
@@ -4503,15 +4881,7 @@
                   <a:schemeClr val="bg1"/>
                 </a:solidFill>
               </a:rPr>
-              <a:t>下样式的画面</a:t>
-            </a:r>
-            <a:r>
-              <a:rPr lang="zh-CN" altLang="en-US" dirty="0" smtClean="0">
-                <a:solidFill>
-                  <a:schemeClr val="bg1"/>
-                </a:solidFill>
-              </a:rPr>
-              <a:t>，每次出现的数字不一样</a:t>
+              <a:t>下样式的画面，每次出现的数字不一样</a:t>
             </a:r>
             <a:endParaRPr lang="en-US" altLang="zh-CN" dirty="0">
               <a:solidFill>
@@ -5935,15 +6305,7 @@
                   <a:schemeClr val="bg1"/>
                 </a:solidFill>
               </a:rPr>
-              <a:t>方的</a:t>
-            </a:r>
-            <a:r>
-              <a:rPr lang="zh-CN" altLang="en-US" dirty="0" smtClean="0">
-                <a:solidFill>
-                  <a:schemeClr val="bg1"/>
-                </a:solidFill>
-              </a:rPr>
-              <a:t>两</a:t>
+              <a:t>方的两</a:t>
             </a:r>
             <a:r>
               <a:rPr lang="zh-CN" altLang="en-US" dirty="0">
@@ -5973,23 +6335,7 @@
                   <a:schemeClr val="bg1"/>
                 </a:solidFill>
               </a:rPr>
-              <a:t>表</a:t>
-            </a:r>
-            <a:r>
-              <a:rPr lang="zh-CN" altLang="en-US" dirty="0" smtClean="0">
-                <a:solidFill>
-                  <a:schemeClr val="bg1"/>
-                </a:solidFill>
-              </a:rPr>
-              <a:t>示不确定的得失</a:t>
-            </a:r>
-            <a:r>
-              <a:rPr lang="zh-CN" altLang="en-US" dirty="0" smtClean="0">
-                <a:solidFill>
-                  <a:schemeClr val="bg1"/>
-                </a:solidFill>
-              </a:rPr>
-              <a:t>，</a:t>
+              <a:t>表示不确定的得失，</a:t>
             </a:r>
             <a:endParaRPr lang="en-US" altLang="zh-CN" dirty="0" smtClean="0">
               <a:solidFill>
@@ -7645,8 +7991,8 @@
         </p:nvSpPr>
         <p:spPr>
           <a:xfrm rot="10800000" flipH="1" flipV="1">
-            <a:off x="1728030" y="4594979"/>
-            <a:ext cx="8947578" cy="1754326"/>
+            <a:off x="1728030" y="4456480"/>
+            <a:ext cx="8947578" cy="2031325"/>
           </a:xfrm>
           <a:prstGeom prst="rect">
             <a:avLst/>
@@ -7894,8 +8240,76 @@
                   <a:schemeClr val="bg1"/>
                 </a:solidFill>
               </a:rPr>
-              <a:t>，系统随机选择。</a:t>
-            </a:r>
+              <a:t>，系统随机选择</a:t>
+            </a:r>
+            <a:r>
+              <a:rPr lang="zh-CN" altLang="en-US" dirty="0" smtClean="0">
+                <a:solidFill>
+                  <a:schemeClr val="bg1"/>
+                </a:solidFill>
+              </a:rPr>
+              <a:t>。</a:t>
+            </a:r>
+            <a:endParaRPr lang="en-US" altLang="zh-CN" dirty="0" smtClean="0">
+              <a:solidFill>
+                <a:schemeClr val="bg1"/>
+              </a:solidFill>
+            </a:endParaRPr>
+          </a:p>
+          <a:p>
+            <a:r>
+              <a:rPr lang="zh-CN" altLang="en-US" dirty="0">
+                <a:solidFill>
+                  <a:schemeClr val="bg1"/>
+                </a:solidFill>
+              </a:rPr>
+              <a:t>每</a:t>
+            </a:r>
+            <a:r>
+              <a:rPr lang="zh-CN" altLang="en-US" dirty="0" smtClean="0">
+                <a:solidFill>
+                  <a:schemeClr val="bg1"/>
+                </a:solidFill>
+              </a:rPr>
+              <a:t>个</a:t>
+            </a:r>
+            <a:r>
+              <a:rPr lang="zh-CN" altLang="en-US" u="sng" dirty="0" smtClean="0">
+                <a:solidFill>
+                  <a:schemeClr val="bg1"/>
+                </a:solidFill>
+              </a:rPr>
+              <a:t>无效</a:t>
+            </a:r>
+            <a:r>
+              <a:rPr lang="zh-CN" altLang="en-US" dirty="0" smtClean="0">
+                <a:solidFill>
+                  <a:schemeClr val="bg1"/>
+                </a:solidFill>
+              </a:rPr>
+              <a:t>试次会扣除被试费</a:t>
+            </a:r>
+            <a:r>
+              <a:rPr lang="en-US" altLang="zh-CN" dirty="0" smtClean="0">
+                <a:solidFill>
+                  <a:schemeClr val="bg1"/>
+                </a:solidFill>
+              </a:rPr>
+              <a:t>1</a:t>
+            </a:r>
+            <a:r>
+              <a:rPr lang="zh-CN" altLang="en-US" dirty="0" smtClean="0">
+                <a:solidFill>
+                  <a:schemeClr val="bg1"/>
+                </a:solidFill>
+              </a:rPr>
+              <a:t>元。</a:t>
+            </a:r>
+            <a:endParaRPr lang="zh-CN" altLang="en-US" dirty="0">
+              <a:solidFill>
+                <a:schemeClr val="bg1"/>
+              </a:solidFill>
+            </a:endParaRPr>
           </a:p>
         </p:txBody>
       </p:sp>
@@ -9202,23 +9616,7 @@
                     <a:schemeClr val="tx1"/>
                   </a:solidFill>
                 </a:rPr>
-                <a:t>-</a:t>
-              </a:r>
-              <a:r>
-                <a:rPr lang="en-US" altLang="zh-CN" dirty="0" smtClean="0">
-                  <a:solidFill>
-                    <a:schemeClr val="tx1"/>
-                  </a:solidFill>
-                </a:rPr>
-                <a:t>3    </a:t>
-              </a:r>
-              <a:r>
-                <a:rPr lang="en-US" altLang="zh-CN" dirty="0" smtClean="0">
-                  <a:solidFill>
-                    <a:schemeClr val="tx1"/>
-                  </a:solidFill>
-                </a:rPr>
-                <a:t>+12</a:t>
+                <a:t>-3    +12</a:t>
               </a:r>
               <a:endParaRPr lang="zh-CN" altLang="en-US" dirty="0">
                 <a:solidFill>
@@ -9461,7 +9859,7 @@
         <p:spPr>
           <a:xfrm>
             <a:off x="2608290" y="2041367"/>
-            <a:ext cx="8045021" cy="2862322"/>
+            <a:ext cx="8045021" cy="3416320"/>
           </a:xfrm>
           <a:prstGeom prst="rect">
             <a:avLst/>
@@ -9534,8 +9932,23 @@
                   <a:schemeClr val="bg1"/>
                 </a:solidFill>
               </a:rPr>
-              <a:t>次休息时间。</a:t>
-            </a:r>
+              <a:t>次休息时间</a:t>
+            </a:r>
+            <a:r>
+              <a:rPr lang="zh-CN" altLang="en-US" dirty="0" smtClean="0">
+                <a:solidFill>
+                  <a:schemeClr val="bg1"/>
+                </a:solidFill>
+              </a:rPr>
+              <a:t>。</a:t>
+            </a:r>
+            <a:endParaRPr lang="en-US" altLang="zh-CN" dirty="0" smtClean="0">
+              <a:solidFill>
+                <a:schemeClr val="bg1"/>
+              </a:solidFill>
+            </a:endParaRPr>
+          </a:p>
+          <a:p>
             <a:endParaRPr lang="en-US" altLang="zh-CN" dirty="0">
               <a:solidFill>
                 <a:schemeClr val="bg1"/>
@@ -9543,6 +9956,38 @@
             </a:endParaRPr>
           </a:p>
           <a:p>
+            <a:r>
+              <a:rPr lang="en-US" altLang="zh-CN" dirty="0" smtClean="0">
+                <a:solidFill>
+                  <a:schemeClr val="bg1"/>
+                </a:solidFill>
+              </a:rPr>
+              <a:t>	2. </a:t>
+            </a:r>
+            <a:r>
+              <a:rPr lang="zh-CN" altLang="en-US" dirty="0" smtClean="0">
+                <a:solidFill>
+                  <a:schemeClr val="bg1"/>
+                </a:solidFill>
+              </a:rPr>
+              <a:t>正式实验中，每个超时扣除被试费</a:t>
+            </a:r>
+            <a:r>
+              <a:rPr lang="en-US" altLang="zh-CN" dirty="0" smtClean="0">
+                <a:solidFill>
+                  <a:schemeClr val="bg1"/>
+                </a:solidFill>
+              </a:rPr>
+              <a:t>1</a:t>
+            </a:r>
+            <a:r>
+              <a:rPr lang="zh-CN" altLang="en-US" dirty="0" smtClean="0">
+                <a:solidFill>
+                  <a:schemeClr val="bg1"/>
+                </a:solidFill>
+              </a:rPr>
+              <a:t>元。</a:t>
+            </a:r>
             <a:endParaRPr lang="en-US" altLang="zh-CN" dirty="0">
               <a:solidFill>
                 <a:schemeClr val="bg1"/>
@@ -9550,54 +9995,6 @@
             </a:endParaRPr>
           </a:p>
           <a:p>
-            <a:r>
-              <a:rPr lang="en-US" altLang="zh-CN" dirty="0">
-                <a:solidFill>
-                  <a:schemeClr val="bg1"/>
-                </a:solidFill>
-              </a:rPr>
-              <a:t>	</a:t>
-            </a:r>
-            <a:r>
-              <a:rPr lang="en-US" altLang="zh-CN" dirty="0" smtClean="0">
-                <a:solidFill>
-                  <a:schemeClr val="bg1"/>
-                </a:solidFill>
-              </a:rPr>
-              <a:t>2. </a:t>
-            </a:r>
-            <a:r>
-              <a:rPr lang="zh-CN" altLang="en-US" dirty="0">
-                <a:solidFill>
-                  <a:schemeClr val="bg1"/>
-                </a:solidFill>
-              </a:rPr>
-              <a:t>实验结束后会从所</a:t>
-            </a:r>
-            <a:r>
-              <a:rPr lang="zh-CN" altLang="en-US" dirty="0" smtClean="0">
-                <a:solidFill>
-                  <a:schemeClr val="bg1"/>
-                </a:solidFill>
-              </a:rPr>
-              <a:t>有试次中</a:t>
-            </a:r>
-            <a:r>
-              <a:rPr lang="zh-CN" altLang="en-US" b="1" dirty="0">
-                <a:solidFill>
-                  <a:schemeClr val="bg1"/>
-                </a:solidFill>
-              </a:rPr>
-              <a:t>抽出一个</a:t>
-            </a:r>
-            <a:r>
-              <a:rPr lang="zh-CN" altLang="en-US" dirty="0">
-                <a:solidFill>
-                  <a:schemeClr val="bg1"/>
-                </a:solidFill>
-              </a:rPr>
-              <a:t>实现，请认真对待每一次选择</a:t>
-            </a:r>
             <a:endParaRPr lang="en-US" altLang="zh-CN" dirty="0">
               <a:solidFill>
                 <a:schemeClr val="bg1"/>
@@ -9605,6 +10002,94 @@
             </a:endParaRPr>
           </a:p>
           <a:p>
+            <a:r>
+              <a:rPr lang="en-US" altLang="zh-CN" dirty="0">
+                <a:solidFill>
+                  <a:schemeClr val="bg1"/>
+                </a:solidFill>
+              </a:rPr>
+              <a:t>	</a:t>
+            </a:r>
+            <a:r>
+              <a:rPr lang="en-US" altLang="zh-CN" dirty="0" smtClean="0">
+                <a:solidFill>
+                  <a:schemeClr val="bg1"/>
+                </a:solidFill>
+              </a:rPr>
+              <a:t>2. </a:t>
+            </a:r>
+            <a:r>
+              <a:rPr lang="zh-CN" altLang="en-US" dirty="0">
+                <a:solidFill>
+                  <a:schemeClr val="bg1"/>
+                </a:solidFill>
+              </a:rPr>
+              <a:t>实验结束后会从所</a:t>
+            </a:r>
+            <a:r>
+              <a:rPr lang="zh-CN" altLang="en-US" dirty="0" smtClean="0">
+                <a:solidFill>
+                  <a:schemeClr val="bg1"/>
+                </a:solidFill>
+              </a:rPr>
+              <a:t>有试次中</a:t>
+            </a:r>
+            <a:r>
+              <a:rPr lang="zh-CN" altLang="en-US" b="1" dirty="0">
+                <a:solidFill>
+                  <a:schemeClr val="bg1"/>
+                </a:solidFill>
+              </a:rPr>
+              <a:t>抽出一个</a:t>
+            </a:r>
+            <a:r>
+              <a:rPr lang="zh-CN" altLang="en-US" dirty="0">
+                <a:solidFill>
+                  <a:schemeClr val="bg1"/>
+                </a:solidFill>
+              </a:rPr>
+              <a:t>实</a:t>
+            </a:r>
+            <a:r>
+              <a:rPr lang="zh-CN" altLang="en-US" dirty="0" smtClean="0">
+                <a:solidFill>
+                  <a:schemeClr val="bg1"/>
+                </a:solidFill>
+              </a:rPr>
+              <a:t>现，</a:t>
+            </a:r>
+            <a:r>
+              <a:rPr lang="en-US" altLang="zh-CN" dirty="0" smtClean="0">
+                <a:solidFill>
+                  <a:schemeClr val="bg1"/>
+                </a:solidFill>
+              </a:rPr>
+              <a:t>	</a:t>
+            </a:r>
+            <a:r>
+              <a:rPr lang="zh-CN" altLang="en-US" dirty="0" smtClean="0">
+                <a:solidFill>
+                  <a:schemeClr val="bg1"/>
+                </a:solidFill>
+              </a:rPr>
+              <a:t>请</a:t>
+            </a:r>
+            <a:r>
+              <a:rPr lang="zh-CN" altLang="en-US" dirty="0">
+                <a:solidFill>
+                  <a:schemeClr val="bg1"/>
+                </a:solidFill>
+              </a:rPr>
+              <a:t>认真对待每一次选</a:t>
+            </a:r>
+            <a:r>
+              <a:rPr lang="zh-CN" altLang="en-US" dirty="0" smtClean="0">
+                <a:solidFill>
+                  <a:schemeClr val="bg1"/>
+                </a:solidFill>
+              </a:rPr>
+              <a:t>择。</a:t>
+            </a:r>
             <a:endParaRPr lang="en-US" altLang="zh-CN" dirty="0">
               <a:solidFill>
                 <a:schemeClr val="bg1"/>
@@ -9612,6 +10097,13 @@
             </a:endParaRPr>
           </a:p>
           <a:p>
+            <a:endParaRPr lang="en-US" altLang="zh-CN" dirty="0">
+              <a:solidFill>
+                <a:schemeClr val="bg1"/>
+              </a:solidFill>
+            </a:endParaRPr>
+          </a:p>
+          <a:p>
             <a:r>
               <a:rPr lang="en-US" altLang="zh-CN" dirty="0">
                 <a:solidFill>
@@ -9642,7 +10134,7 @@
                   <a:schemeClr val="bg1"/>
                 </a:solidFill>
               </a:rPr>
-              <a:t>验中请将手机放在实验间外，如果要看时间请在休息时询问主试</a:t>
+              <a:t>验中请将手机放在实验间外，如果要看时间请在休息时询问主试。</a:t>
             </a:r>
             <a:endParaRPr lang="en-US" altLang="zh-CN" dirty="0">
               <a:solidFill>
